--- a/Präsentation/Semantische Beziehungen.pptx
+++ b/Präsentation/Semantische Beziehungen.pptx
@@ -10,10 +10,12 @@
     <p:sldId id="258" r:id="rId4"/>
     <p:sldId id="261" r:id="rId5"/>
     <p:sldId id="259" r:id="rId6"/>
-    <p:sldId id="260" r:id="rId7"/>
-    <p:sldId id="263" r:id="rId8"/>
-    <p:sldId id="262" r:id="rId9"/>
-    <p:sldId id="264" r:id="rId10"/>
+    <p:sldId id="265" r:id="rId7"/>
+    <p:sldId id="260" r:id="rId8"/>
+    <p:sldId id="266" r:id="rId9"/>
+    <p:sldId id="263" r:id="rId10"/>
+    <p:sldId id="262" r:id="rId11"/>
+    <p:sldId id="264" r:id="rId12"/>
   </p:sldIdLst>
   <p:sldSz cx="9144000" cy="6858000" type="screen4x3"/>
   <p:notesSz cx="6858000" cy="9144000"/>
@@ -112,6 +114,11 @@
       </a:defRPr>
     </a:lvl9pPr>
   </p:defaultTextStyle>
+  <p:extLst>
+    <p:ext uri="{EFAFB233-063F-42B5-8137-9DF3F51BA10A}">
+      <p15:sldGuideLst xmlns:p15="http://schemas.microsoft.com/office/powerpoint/2012/main"/>
+    </p:ext>
+  </p:extLst>
 </p:presentation>
 </file>
 
@@ -246,7 +253,7 @@
           <a:p>
             <a:fld id="{C92AD096-6E55-4EEF-BA58-4033A04C26A2}" type="datetimeFigureOut">
               <a:rPr lang="de-DE" smtClean="0"/>
-              <a:t>03.09.2015</a:t>
+              <a:t>09.09.2015</a:t>
             </a:fld>
             <a:endParaRPr lang="de-DE"/>
           </a:p>
@@ -416,7 +423,7 @@
           <a:p>
             <a:fld id="{C92AD096-6E55-4EEF-BA58-4033A04C26A2}" type="datetimeFigureOut">
               <a:rPr lang="de-DE" smtClean="0"/>
-              <a:t>03.09.2015</a:t>
+              <a:t>09.09.2015</a:t>
             </a:fld>
             <a:endParaRPr lang="de-DE"/>
           </a:p>
@@ -596,7 +603,7 @@
           <a:p>
             <a:fld id="{C92AD096-6E55-4EEF-BA58-4033A04C26A2}" type="datetimeFigureOut">
               <a:rPr lang="de-DE" smtClean="0"/>
-              <a:t>03.09.2015</a:t>
+              <a:t>09.09.2015</a:t>
             </a:fld>
             <a:endParaRPr lang="de-DE"/>
           </a:p>
@@ -766,7 +773,7 @@
           <a:p>
             <a:fld id="{C92AD096-6E55-4EEF-BA58-4033A04C26A2}" type="datetimeFigureOut">
               <a:rPr lang="de-DE" smtClean="0"/>
-              <a:t>03.09.2015</a:t>
+              <a:t>09.09.2015</a:t>
             </a:fld>
             <a:endParaRPr lang="de-DE"/>
           </a:p>
@@ -1010,7 +1017,7 @@
           <a:p>
             <a:fld id="{C92AD096-6E55-4EEF-BA58-4033A04C26A2}" type="datetimeFigureOut">
               <a:rPr lang="de-DE" smtClean="0"/>
-              <a:t>03.09.2015</a:t>
+              <a:t>09.09.2015</a:t>
             </a:fld>
             <a:endParaRPr lang="de-DE"/>
           </a:p>
@@ -1242,7 +1249,7 @@
           <a:p>
             <a:fld id="{C92AD096-6E55-4EEF-BA58-4033A04C26A2}" type="datetimeFigureOut">
               <a:rPr lang="de-DE" smtClean="0"/>
-              <a:t>03.09.2015</a:t>
+              <a:t>09.09.2015</a:t>
             </a:fld>
             <a:endParaRPr lang="de-DE"/>
           </a:p>
@@ -1609,7 +1616,7 @@
           <a:p>
             <a:fld id="{C92AD096-6E55-4EEF-BA58-4033A04C26A2}" type="datetimeFigureOut">
               <a:rPr lang="de-DE" smtClean="0"/>
-              <a:t>03.09.2015</a:t>
+              <a:t>09.09.2015</a:t>
             </a:fld>
             <a:endParaRPr lang="de-DE"/>
           </a:p>
@@ -1727,7 +1734,7 @@
           <a:p>
             <a:fld id="{C92AD096-6E55-4EEF-BA58-4033A04C26A2}" type="datetimeFigureOut">
               <a:rPr lang="de-DE" smtClean="0"/>
-              <a:t>03.09.2015</a:t>
+              <a:t>09.09.2015</a:t>
             </a:fld>
             <a:endParaRPr lang="de-DE"/>
           </a:p>
@@ -1822,7 +1829,7 @@
           <a:p>
             <a:fld id="{C92AD096-6E55-4EEF-BA58-4033A04C26A2}" type="datetimeFigureOut">
               <a:rPr lang="de-DE" smtClean="0"/>
-              <a:t>03.09.2015</a:t>
+              <a:t>09.09.2015</a:t>
             </a:fld>
             <a:endParaRPr lang="de-DE"/>
           </a:p>
@@ -2099,7 +2106,7 @@
           <a:p>
             <a:fld id="{C92AD096-6E55-4EEF-BA58-4033A04C26A2}" type="datetimeFigureOut">
               <a:rPr lang="de-DE" smtClean="0"/>
-              <a:t>03.09.2015</a:t>
+              <a:t>09.09.2015</a:t>
             </a:fld>
             <a:endParaRPr lang="de-DE"/>
           </a:p>
@@ -2356,7 +2363,7 @@
           <a:p>
             <a:fld id="{C92AD096-6E55-4EEF-BA58-4033A04C26A2}" type="datetimeFigureOut">
               <a:rPr lang="de-DE" smtClean="0"/>
-              <a:t>03.09.2015</a:t>
+              <a:t>09.09.2015</a:t>
             </a:fld>
             <a:endParaRPr lang="de-DE"/>
           </a:p>
@@ -2569,7 +2576,7 @@
           <a:p>
             <a:fld id="{C92AD096-6E55-4EEF-BA58-4033A04C26A2}" type="datetimeFigureOut">
               <a:rPr lang="de-DE" smtClean="0"/>
-              <a:t>03.09.2015</a:t>
+              <a:t>09.09.2015</a:t>
             </a:fld>
             <a:endParaRPr lang="de-DE"/>
           </a:p>
@@ -3046,6 +3053,164 @@
 </p:sld>
 </file>
 
+<file path=ppt/slides/slide10.xml><?xml version="1.0" encoding="utf-8"?>
+<p:sld xmlns:a="http://schemas.openxmlformats.org/drawingml/2006/main" xmlns:r="http://schemas.openxmlformats.org/officeDocument/2006/relationships" xmlns:p="http://schemas.openxmlformats.org/presentationml/2006/main">
+  <p:cSld>
+    <p:spTree>
+      <p:nvGrpSpPr>
+        <p:cNvPr id="1" name=""/>
+        <p:cNvGrpSpPr/>
+        <p:nvPr/>
+      </p:nvGrpSpPr>
+      <p:grpSpPr>
+        <a:xfrm>
+          <a:off x="0" y="0"/>
+          <a:ext cx="0" cy="0"/>
+          <a:chOff x="0" y="0"/>
+          <a:chExt cx="0" cy="0"/>
+        </a:xfrm>
+      </p:grpSpPr>
+      <p:sp>
+        <p:nvSpPr>
+          <p:cNvPr id="2" name="Titel 1"/>
+          <p:cNvSpPr>
+            <a:spLocks noGrp="1"/>
+          </p:cNvSpPr>
+          <p:nvPr>
+            <p:ph type="title"/>
+          </p:nvPr>
+        </p:nvSpPr>
+        <p:spPr/>
+        <p:txBody>
+          <a:bodyPr/>
+          <a:lstStyle/>
+          <a:p>
+            <a:r>
+              <a:rPr lang="de-DE" dirty="0" smtClean="0"/>
+              <a:t>Fazit und Ausblick</a:t>
+            </a:r>
+            <a:endParaRPr lang="de-DE" dirty="0"/>
+          </a:p>
+        </p:txBody>
+      </p:sp>
+      <p:sp>
+        <p:nvSpPr>
+          <p:cNvPr id="3" name="Inhaltsplatzhalter 2"/>
+          <p:cNvSpPr>
+            <a:spLocks noGrp="1"/>
+          </p:cNvSpPr>
+          <p:nvPr>
+            <p:ph idx="1"/>
+          </p:nvPr>
+        </p:nvSpPr>
+        <p:spPr/>
+        <p:txBody>
+          <a:bodyPr/>
+          <a:lstStyle/>
+          <a:p>
+            <a:endParaRPr lang="de-DE"/>
+          </a:p>
+        </p:txBody>
+      </p:sp>
+    </p:spTree>
+    <p:extLst>
+      <p:ext uri="{BB962C8B-B14F-4D97-AF65-F5344CB8AC3E}">
+        <p14:creationId xmlns:p14="http://schemas.microsoft.com/office/powerpoint/2010/main" val="479651700"/>
+      </p:ext>
+    </p:extLst>
+  </p:cSld>
+  <p:clrMapOvr>
+    <a:masterClrMapping/>
+  </p:clrMapOvr>
+  <p:timing>
+    <p:tnLst>
+      <p:par>
+        <p:cTn id="1" dur="indefinite" restart="never" nodeType="tmRoot"/>
+      </p:par>
+    </p:tnLst>
+  </p:timing>
+</p:sld>
+</file>
+
+<file path=ppt/slides/slide11.xml><?xml version="1.0" encoding="utf-8"?>
+<p:sld xmlns:a="http://schemas.openxmlformats.org/drawingml/2006/main" xmlns:r="http://schemas.openxmlformats.org/officeDocument/2006/relationships" xmlns:p="http://schemas.openxmlformats.org/presentationml/2006/main">
+  <p:cSld>
+    <p:spTree>
+      <p:nvGrpSpPr>
+        <p:cNvPr id="1" name=""/>
+        <p:cNvGrpSpPr/>
+        <p:nvPr/>
+      </p:nvGrpSpPr>
+      <p:grpSpPr>
+        <a:xfrm>
+          <a:off x="0" y="0"/>
+          <a:ext cx="0" cy="0"/>
+          <a:chOff x="0" y="0"/>
+          <a:chExt cx="0" cy="0"/>
+        </a:xfrm>
+      </p:grpSpPr>
+      <p:sp>
+        <p:nvSpPr>
+          <p:cNvPr id="2" name="Titel 1"/>
+          <p:cNvSpPr>
+            <a:spLocks noGrp="1"/>
+          </p:cNvSpPr>
+          <p:nvPr>
+            <p:ph type="title"/>
+          </p:nvPr>
+        </p:nvSpPr>
+        <p:spPr/>
+        <p:txBody>
+          <a:bodyPr/>
+          <a:lstStyle/>
+          <a:p>
+            <a:r>
+              <a:rPr lang="de-DE" dirty="0" smtClean="0"/>
+              <a:t>Vielen Dank für die Aufmerksamkeit</a:t>
+            </a:r>
+            <a:endParaRPr lang="de-DE" dirty="0"/>
+          </a:p>
+        </p:txBody>
+      </p:sp>
+      <p:sp>
+        <p:nvSpPr>
+          <p:cNvPr id="3" name="Inhaltsplatzhalter 2"/>
+          <p:cNvSpPr>
+            <a:spLocks noGrp="1"/>
+          </p:cNvSpPr>
+          <p:nvPr>
+            <p:ph idx="1"/>
+          </p:nvPr>
+        </p:nvSpPr>
+        <p:spPr/>
+        <p:txBody>
+          <a:bodyPr/>
+          <a:lstStyle/>
+          <a:p>
+            <a:endParaRPr lang="de-DE" dirty="0"/>
+          </a:p>
+        </p:txBody>
+      </p:sp>
+    </p:spTree>
+    <p:extLst>
+      <p:ext uri="{BB962C8B-B14F-4D97-AF65-F5344CB8AC3E}">
+        <p14:creationId xmlns:p14="http://schemas.microsoft.com/office/powerpoint/2010/main" val="1296434987"/>
+      </p:ext>
+    </p:extLst>
+  </p:cSld>
+  <p:clrMapOvr>
+    <a:masterClrMapping/>
+  </p:clrMapOvr>
+  <p:timing>
+    <p:tnLst>
+      <p:par>
+        <p:cTn id="1" dur="indefinite" restart="never" nodeType="tmRoot"/>
+      </p:par>
+    </p:tnLst>
+  </p:timing>
+</p:sld>
+</file>
+
 <file path=ppt/slides/slide2.xml><?xml version="1.0" encoding="utf-8"?>
 <p:sld xmlns:a="http://schemas.openxmlformats.org/drawingml/2006/main" xmlns:r="http://schemas.openxmlformats.org/officeDocument/2006/relationships" xmlns:p="http://schemas.openxmlformats.org/presentationml/2006/main">
   <p:cSld>
@@ -3180,6 +3345,18 @@
           <a:bodyPr/>
           <a:lstStyle/>
           <a:p>
+            <a:r>
+              <a:rPr lang="de-DE" dirty="0" smtClean="0"/>
+              <a:t>Vergleich unterschiedlicher Korpora als Trainingsdaten</a:t>
+            </a:r>
+          </a:p>
+          <a:p>
+            <a:r>
+              <a:rPr lang="de-DE" dirty="0" smtClean="0"/>
+              <a:t>Ziel: passende Trainingsdaten für jeweilige Anwendung finden/benützen</a:t>
+            </a:r>
+          </a:p>
+          <a:p>
             <a:endParaRPr lang="de-DE" dirty="0"/>
           </a:p>
         </p:txBody>
@@ -3338,7 +3515,23 @@
           <a:bodyPr/>
           <a:lstStyle/>
           <a:p>
-            <a:endParaRPr lang="de-DE"/>
+            <a:r>
+              <a:rPr lang="de-DE" dirty="0" smtClean="0"/>
+              <a:t>Trainingsdaten: &gt; Milliarden Wörter</a:t>
+            </a:r>
+          </a:p>
+          <a:p>
+            <a:r>
+              <a:rPr lang="de-DE" dirty="0" smtClean="0"/>
+              <a:t>Gesamte Wikipedia Daten</a:t>
+            </a:r>
+          </a:p>
+          <a:p>
+            <a:r>
+              <a:rPr lang="de-DE" dirty="0" smtClean="0"/>
+              <a:t>Teilkorpus über Technologie/PC/Internet</a:t>
+            </a:r>
+            <a:endParaRPr lang="de-DE" dirty="0"/>
           </a:p>
         </p:txBody>
       </p:sp>
@@ -3395,8 +3588,75 @@
           <a:lstStyle/>
           <a:p>
             <a:r>
+              <a:rPr lang="de-DE" dirty="0"/>
+              <a:t>Daten und Vorverarbeitung</a:t>
+            </a:r>
+          </a:p>
+        </p:txBody>
+      </p:sp>
+      <p:sp>
+        <p:nvSpPr>
+          <p:cNvPr id="3" name="Inhaltsplatzhalter 2"/>
+          <p:cNvSpPr>
+            <a:spLocks noGrp="1"/>
+          </p:cNvSpPr>
+          <p:nvPr>
+            <p:ph idx="1"/>
+          </p:nvPr>
+        </p:nvSpPr>
+        <p:spPr>
+          <a:xfrm>
+            <a:off x="628650" y="1461485"/>
+            <a:ext cx="7886700" cy="4351338"/>
+          </a:xfrm>
+        </p:spPr>
+        <p:txBody>
+          <a:bodyPr/>
+          <a:lstStyle/>
+          <a:p>
+            <a:endParaRPr lang="de-DE" dirty="0"/>
+          </a:p>
+        </p:txBody>
+      </p:sp>
+      <p:sp>
+        <p:nvSpPr>
+          <p:cNvPr id="4" name="Rechteck 3"/>
+          <p:cNvSpPr/>
+          <p:nvPr/>
+        </p:nvSpPr>
+        <p:spPr>
+          <a:xfrm>
+            <a:off x="133347" y="3666755"/>
+            <a:ext cx="1796432" cy="817295"/>
+          </a:xfrm>
+          <a:prstGeom prst="rect">
+            <a:avLst/>
+          </a:prstGeom>
+        </p:spPr>
+        <p:style>
+          <a:lnRef idx="2">
+            <a:schemeClr val="accent1">
+              <a:shade val="50000"/>
+            </a:schemeClr>
+          </a:lnRef>
+          <a:fillRef idx="1">
+            <a:schemeClr val="accent1"/>
+          </a:fillRef>
+          <a:effectRef idx="0">
+            <a:schemeClr val="accent1"/>
+          </a:effectRef>
+          <a:fontRef idx="minor">
+            <a:schemeClr val="lt1"/>
+          </a:fontRef>
+        </p:style>
+        <p:txBody>
+          <a:bodyPr rtlCol="0" anchor="ctr"/>
+          <a:lstStyle/>
+          <a:p>
+            <a:pPr algn="ctr"/>
+            <a:r>
               <a:rPr lang="de-DE" dirty="0" smtClean="0"/>
-              <a:t>Wikipedia-Korpus</a:t>
+              <a:t>Wikipedia Daten</a:t>
             </a:r>
             <a:endParaRPr lang="de-DE" dirty="0"/>
           </a:p>
@@ -3404,27 +3664,1157 @@
       </p:sp>
       <p:sp>
         <p:nvSpPr>
-          <p:cNvPr id="3" name="Inhaltsplatzhalter 2"/>
-          <p:cNvSpPr>
-            <a:spLocks noGrp="1"/>
-          </p:cNvSpPr>
-          <p:nvPr>
-            <p:ph idx="1"/>
-          </p:nvPr>
-        </p:nvSpPr>
-        <p:spPr/>
-        <p:txBody>
-          <a:bodyPr/>
-          <a:lstStyle/>
-          <a:p>
-            <a:endParaRPr lang="de-DE"/>
-          </a:p>
-        </p:txBody>
-      </p:sp>
+          <p:cNvPr id="5" name="Rechteck 4"/>
+          <p:cNvSpPr/>
+          <p:nvPr/>
+        </p:nvSpPr>
+        <p:spPr>
+          <a:xfrm>
+            <a:off x="2901121" y="2246412"/>
+            <a:ext cx="852192" cy="793020"/>
+          </a:xfrm>
+          <a:prstGeom prst="rect">
+            <a:avLst/>
+          </a:prstGeom>
+        </p:spPr>
+        <p:style>
+          <a:lnRef idx="2">
+            <a:schemeClr val="accent1">
+              <a:shade val="50000"/>
+            </a:schemeClr>
+          </a:lnRef>
+          <a:fillRef idx="1">
+            <a:schemeClr val="accent1"/>
+          </a:fillRef>
+          <a:effectRef idx="0">
+            <a:schemeClr val="accent1"/>
+          </a:effectRef>
+          <a:fontRef idx="minor">
+            <a:schemeClr val="lt1"/>
+          </a:fontRef>
+        </p:style>
+        <p:txBody>
+          <a:bodyPr rtlCol="0" anchor="ctr"/>
+          <a:lstStyle/>
+          <a:p>
+            <a:pPr algn="ctr"/>
+            <a:r>
+              <a:rPr lang="de-DE" dirty="0" smtClean="0"/>
+              <a:t>Artikel</a:t>
+            </a:r>
+            <a:endParaRPr lang="de-DE" dirty="0"/>
+          </a:p>
+        </p:txBody>
+      </p:sp>
+      <p:sp>
+        <p:nvSpPr>
+          <p:cNvPr id="6" name="Rechteck 5"/>
+          <p:cNvSpPr/>
+          <p:nvPr/>
+        </p:nvSpPr>
+        <p:spPr>
+          <a:xfrm>
+            <a:off x="2901121" y="3174368"/>
+            <a:ext cx="852192" cy="793020"/>
+          </a:xfrm>
+          <a:prstGeom prst="rect">
+            <a:avLst/>
+          </a:prstGeom>
+        </p:spPr>
+        <p:style>
+          <a:lnRef idx="2">
+            <a:schemeClr val="accent1">
+              <a:shade val="50000"/>
+            </a:schemeClr>
+          </a:lnRef>
+          <a:fillRef idx="1">
+            <a:schemeClr val="accent1"/>
+          </a:fillRef>
+          <a:effectRef idx="0">
+            <a:schemeClr val="accent1"/>
+          </a:effectRef>
+          <a:fontRef idx="minor">
+            <a:schemeClr val="lt1"/>
+          </a:fontRef>
+        </p:style>
+        <p:txBody>
+          <a:bodyPr rtlCol="0" anchor="ctr"/>
+          <a:lstStyle/>
+          <a:p>
+            <a:pPr algn="ctr"/>
+            <a:r>
+              <a:rPr lang="de-DE" dirty="0" smtClean="0"/>
+              <a:t>Artikel</a:t>
+            </a:r>
+            <a:endParaRPr lang="de-DE" dirty="0"/>
+          </a:p>
+        </p:txBody>
+      </p:sp>
+      <p:sp>
+        <p:nvSpPr>
+          <p:cNvPr id="7" name="Rechteck 6"/>
+          <p:cNvSpPr/>
+          <p:nvPr/>
+        </p:nvSpPr>
+        <p:spPr>
+          <a:xfrm>
+            <a:off x="2920087" y="4107588"/>
+            <a:ext cx="852192" cy="793020"/>
+          </a:xfrm>
+          <a:prstGeom prst="rect">
+            <a:avLst/>
+          </a:prstGeom>
+        </p:spPr>
+        <p:style>
+          <a:lnRef idx="2">
+            <a:schemeClr val="accent1">
+              <a:shade val="50000"/>
+            </a:schemeClr>
+          </a:lnRef>
+          <a:fillRef idx="1">
+            <a:schemeClr val="accent1"/>
+          </a:fillRef>
+          <a:effectRef idx="0">
+            <a:schemeClr val="accent1"/>
+          </a:effectRef>
+          <a:fontRef idx="minor">
+            <a:schemeClr val="lt1"/>
+          </a:fontRef>
+        </p:style>
+        <p:txBody>
+          <a:bodyPr rtlCol="0" anchor="ctr"/>
+          <a:lstStyle/>
+          <a:p>
+            <a:pPr algn="ctr"/>
+            <a:r>
+              <a:rPr lang="de-DE" dirty="0" smtClean="0"/>
+              <a:t>Artikel</a:t>
+            </a:r>
+            <a:endParaRPr lang="de-DE" dirty="0"/>
+          </a:p>
+        </p:txBody>
+      </p:sp>
+      <p:sp>
+        <p:nvSpPr>
+          <p:cNvPr id="9" name="Rechteck 8"/>
+          <p:cNvSpPr/>
+          <p:nvPr/>
+        </p:nvSpPr>
+        <p:spPr>
+          <a:xfrm>
+            <a:off x="5777709" y="2246412"/>
+            <a:ext cx="1015424" cy="793020"/>
+          </a:xfrm>
+          <a:prstGeom prst="rect">
+            <a:avLst/>
+          </a:prstGeom>
+        </p:spPr>
+        <p:style>
+          <a:lnRef idx="2">
+            <a:schemeClr val="accent1">
+              <a:shade val="50000"/>
+            </a:schemeClr>
+          </a:lnRef>
+          <a:fillRef idx="1">
+            <a:schemeClr val="accent1"/>
+          </a:fillRef>
+          <a:effectRef idx="0">
+            <a:schemeClr val="accent1"/>
+          </a:effectRef>
+          <a:fontRef idx="minor">
+            <a:schemeClr val="lt1"/>
+          </a:fontRef>
+        </p:style>
+        <p:txBody>
+          <a:bodyPr rtlCol="0" anchor="ctr"/>
+          <a:lstStyle/>
+          <a:p>
+            <a:pPr algn="ctr"/>
+            <a:r>
+              <a:rPr lang="de-DE" spc="-150" dirty="0" smtClean="0"/>
+              <a:t>bereinigter</a:t>
+            </a:r>
+            <a:r>
+              <a:rPr lang="de-DE" dirty="0" smtClean="0"/>
+              <a:t> </a:t>
+            </a:r>
+            <a:r>
+              <a:rPr lang="de-DE" spc="-150" dirty="0" smtClean="0"/>
+              <a:t>Tech-Artikel</a:t>
+            </a:r>
+            <a:endParaRPr lang="de-DE" spc="-150" dirty="0"/>
+          </a:p>
+        </p:txBody>
+      </p:sp>
+      <p:sp>
+        <p:nvSpPr>
+          <p:cNvPr id="12" name="Rechteck 11"/>
+          <p:cNvSpPr/>
+          <p:nvPr/>
+        </p:nvSpPr>
+        <p:spPr>
+          <a:xfrm>
+            <a:off x="7511977" y="3160472"/>
+            <a:ext cx="1529353" cy="793020"/>
+          </a:xfrm>
+          <a:prstGeom prst="rect">
+            <a:avLst/>
+          </a:prstGeom>
+        </p:spPr>
+        <p:style>
+          <a:lnRef idx="2">
+            <a:schemeClr val="accent1">
+              <a:shade val="50000"/>
+            </a:schemeClr>
+          </a:lnRef>
+          <a:fillRef idx="1">
+            <a:schemeClr val="accent1"/>
+          </a:fillRef>
+          <a:effectRef idx="0">
+            <a:schemeClr val="accent1"/>
+          </a:effectRef>
+          <a:fontRef idx="minor">
+            <a:schemeClr val="lt1"/>
+          </a:fontRef>
+        </p:style>
+        <p:txBody>
+          <a:bodyPr rtlCol="0" anchor="ctr"/>
+          <a:lstStyle/>
+          <a:p>
+            <a:pPr algn="ctr"/>
+            <a:r>
+              <a:rPr lang="de-DE" dirty="0" smtClean="0"/>
+              <a:t>Technologie Daten</a:t>
+            </a:r>
+            <a:endParaRPr lang="de-DE" dirty="0"/>
+          </a:p>
+        </p:txBody>
+      </p:sp>
+      <p:sp>
+        <p:nvSpPr>
+          <p:cNvPr id="13" name="Rechteck 12"/>
+          <p:cNvSpPr/>
+          <p:nvPr/>
+        </p:nvSpPr>
+        <p:spPr>
+          <a:xfrm>
+            <a:off x="5777709" y="3174368"/>
+            <a:ext cx="1015424" cy="793020"/>
+          </a:xfrm>
+          <a:prstGeom prst="rect">
+            <a:avLst/>
+          </a:prstGeom>
+        </p:spPr>
+        <p:style>
+          <a:lnRef idx="2">
+            <a:schemeClr val="accent1">
+              <a:shade val="50000"/>
+            </a:schemeClr>
+          </a:lnRef>
+          <a:fillRef idx="1">
+            <a:schemeClr val="accent1"/>
+          </a:fillRef>
+          <a:effectRef idx="0">
+            <a:schemeClr val="accent1"/>
+          </a:effectRef>
+          <a:fontRef idx="minor">
+            <a:schemeClr val="lt1"/>
+          </a:fontRef>
+        </p:style>
+        <p:txBody>
+          <a:bodyPr rtlCol="0" anchor="ctr"/>
+          <a:lstStyle/>
+          <a:p>
+            <a:pPr algn="ctr"/>
+            <a:r>
+              <a:rPr lang="de-DE" spc="-150" dirty="0"/>
+              <a:t>bereinigter</a:t>
+            </a:r>
+            <a:r>
+              <a:rPr lang="de-DE" dirty="0"/>
+              <a:t> </a:t>
+            </a:r>
+            <a:r>
+              <a:rPr lang="de-DE" spc="-150" dirty="0"/>
+              <a:t>Tech-Artikel</a:t>
+            </a:r>
+            <a:endParaRPr lang="de-DE" spc="-150" dirty="0"/>
+          </a:p>
+        </p:txBody>
+      </p:sp>
+      <p:sp>
+        <p:nvSpPr>
+          <p:cNvPr id="14" name="Rechteck 13"/>
+          <p:cNvSpPr/>
+          <p:nvPr/>
+        </p:nvSpPr>
+        <p:spPr>
+          <a:xfrm>
+            <a:off x="5777709" y="4102324"/>
+            <a:ext cx="1015424" cy="793020"/>
+          </a:xfrm>
+          <a:prstGeom prst="rect">
+            <a:avLst/>
+          </a:prstGeom>
+        </p:spPr>
+        <p:style>
+          <a:lnRef idx="2">
+            <a:schemeClr val="accent1">
+              <a:shade val="50000"/>
+            </a:schemeClr>
+          </a:lnRef>
+          <a:fillRef idx="1">
+            <a:schemeClr val="accent1"/>
+          </a:fillRef>
+          <a:effectRef idx="0">
+            <a:schemeClr val="accent1"/>
+          </a:effectRef>
+          <a:fontRef idx="minor">
+            <a:schemeClr val="lt1"/>
+          </a:fontRef>
+        </p:style>
+        <p:txBody>
+          <a:bodyPr rtlCol="0" anchor="ctr"/>
+          <a:lstStyle/>
+          <a:p>
+            <a:pPr algn="ctr"/>
+            <a:r>
+              <a:rPr lang="de-DE" spc="-150" dirty="0"/>
+              <a:t>bereinigter</a:t>
+            </a:r>
+            <a:r>
+              <a:rPr lang="de-DE" dirty="0"/>
+              <a:t> </a:t>
+            </a:r>
+            <a:r>
+              <a:rPr lang="de-DE" spc="-150" dirty="0"/>
+              <a:t>Tech-Artikel</a:t>
+            </a:r>
+            <a:endParaRPr lang="de-DE" spc="-150" dirty="0"/>
+          </a:p>
+        </p:txBody>
+      </p:sp>
+      <p:cxnSp>
+        <p:nvCxnSpPr>
+          <p:cNvPr id="16" name="Gerade Verbindung mit Pfeil 15"/>
+          <p:cNvCxnSpPr>
+            <a:stCxn id="4" idx="3"/>
+            <a:endCxn id="5" idx="1"/>
+          </p:cNvCxnSpPr>
+          <p:nvPr/>
+        </p:nvCxnSpPr>
+        <p:spPr>
+          <a:xfrm flipV="1">
+            <a:off x="1929779" y="2642922"/>
+            <a:ext cx="971342" cy="1432481"/>
+          </a:xfrm>
+          <a:prstGeom prst="straightConnector1">
+            <a:avLst/>
+          </a:prstGeom>
+          <a:ln>
+            <a:tailEnd type="triangle"/>
+          </a:ln>
+        </p:spPr>
+        <p:style>
+          <a:lnRef idx="1">
+            <a:schemeClr val="accent1"/>
+          </a:lnRef>
+          <a:fillRef idx="0">
+            <a:schemeClr val="accent1"/>
+          </a:fillRef>
+          <a:effectRef idx="0">
+            <a:schemeClr val="accent1"/>
+          </a:effectRef>
+          <a:fontRef idx="minor">
+            <a:schemeClr val="tx1"/>
+          </a:fontRef>
+        </p:style>
+      </p:cxnSp>
+      <p:cxnSp>
+        <p:nvCxnSpPr>
+          <p:cNvPr id="19" name="Gerade Verbindung mit Pfeil 18"/>
+          <p:cNvCxnSpPr>
+            <a:stCxn id="4" idx="3"/>
+            <a:endCxn id="6" idx="1"/>
+          </p:cNvCxnSpPr>
+          <p:nvPr/>
+        </p:nvCxnSpPr>
+        <p:spPr>
+          <a:xfrm flipV="1">
+            <a:off x="1929779" y="3570878"/>
+            <a:ext cx="971342" cy="504525"/>
+          </a:xfrm>
+          <a:prstGeom prst="straightConnector1">
+            <a:avLst/>
+          </a:prstGeom>
+          <a:ln>
+            <a:tailEnd type="triangle"/>
+          </a:ln>
+        </p:spPr>
+        <p:style>
+          <a:lnRef idx="1">
+            <a:schemeClr val="accent1"/>
+          </a:lnRef>
+          <a:fillRef idx="0">
+            <a:schemeClr val="accent1"/>
+          </a:fillRef>
+          <a:effectRef idx="0">
+            <a:schemeClr val="accent1"/>
+          </a:effectRef>
+          <a:fontRef idx="minor">
+            <a:schemeClr val="tx1"/>
+          </a:fontRef>
+        </p:style>
+      </p:cxnSp>
+      <p:cxnSp>
+        <p:nvCxnSpPr>
+          <p:cNvPr id="21" name="Gerade Verbindung mit Pfeil 20"/>
+          <p:cNvCxnSpPr>
+            <a:stCxn id="4" idx="3"/>
+            <a:endCxn id="7" idx="1"/>
+          </p:cNvCxnSpPr>
+          <p:nvPr/>
+        </p:nvCxnSpPr>
+        <p:spPr>
+          <a:xfrm>
+            <a:off x="1929779" y="4075403"/>
+            <a:ext cx="990308" cy="428695"/>
+          </a:xfrm>
+          <a:prstGeom prst="straightConnector1">
+            <a:avLst/>
+          </a:prstGeom>
+          <a:ln>
+            <a:tailEnd type="triangle"/>
+          </a:ln>
+        </p:spPr>
+        <p:style>
+          <a:lnRef idx="1">
+            <a:schemeClr val="accent1"/>
+          </a:lnRef>
+          <a:fillRef idx="0">
+            <a:schemeClr val="accent1"/>
+          </a:fillRef>
+          <a:effectRef idx="0">
+            <a:schemeClr val="accent1"/>
+          </a:effectRef>
+          <a:fontRef idx="minor">
+            <a:schemeClr val="tx1"/>
+          </a:fontRef>
+        </p:style>
+      </p:cxnSp>
+      <p:cxnSp>
+        <p:nvCxnSpPr>
+          <p:cNvPr id="23" name="Gerade Verbindung mit Pfeil 22"/>
+          <p:cNvCxnSpPr>
+            <a:stCxn id="5" idx="3"/>
+          </p:cNvCxnSpPr>
+          <p:nvPr/>
+        </p:nvCxnSpPr>
+        <p:spPr>
+          <a:xfrm>
+            <a:off x="3753313" y="2642922"/>
+            <a:ext cx="275927" cy="0"/>
+          </a:xfrm>
+          <a:prstGeom prst="straightConnector1">
+            <a:avLst/>
+          </a:prstGeom>
+          <a:ln>
+            <a:tailEnd type="triangle"/>
+          </a:ln>
+        </p:spPr>
+        <p:style>
+          <a:lnRef idx="1">
+            <a:schemeClr val="accent1"/>
+          </a:lnRef>
+          <a:fillRef idx="0">
+            <a:schemeClr val="accent1"/>
+          </a:fillRef>
+          <a:effectRef idx="0">
+            <a:schemeClr val="accent1"/>
+          </a:effectRef>
+          <a:fontRef idx="minor">
+            <a:schemeClr val="tx1"/>
+          </a:fontRef>
+        </p:style>
+      </p:cxnSp>
+      <p:cxnSp>
+        <p:nvCxnSpPr>
+          <p:cNvPr id="25" name="Gerade Verbindung mit Pfeil 24"/>
+          <p:cNvCxnSpPr>
+            <a:stCxn id="6" idx="3"/>
+          </p:cNvCxnSpPr>
+          <p:nvPr/>
+        </p:nvCxnSpPr>
+        <p:spPr>
+          <a:xfrm>
+            <a:off x="3753313" y="3570878"/>
+            <a:ext cx="275927" cy="0"/>
+          </a:xfrm>
+          <a:prstGeom prst="straightConnector1">
+            <a:avLst/>
+          </a:prstGeom>
+          <a:ln>
+            <a:tailEnd type="triangle"/>
+          </a:ln>
+        </p:spPr>
+        <p:style>
+          <a:lnRef idx="1">
+            <a:schemeClr val="accent1"/>
+          </a:lnRef>
+          <a:fillRef idx="0">
+            <a:schemeClr val="accent1"/>
+          </a:fillRef>
+          <a:effectRef idx="0">
+            <a:schemeClr val="accent1"/>
+          </a:effectRef>
+          <a:fontRef idx="minor">
+            <a:schemeClr val="tx1"/>
+          </a:fontRef>
+        </p:style>
+      </p:cxnSp>
+      <p:cxnSp>
+        <p:nvCxnSpPr>
+          <p:cNvPr id="27" name="Gerade Verbindung mit Pfeil 26"/>
+          <p:cNvCxnSpPr>
+            <a:stCxn id="7" idx="3"/>
+          </p:cNvCxnSpPr>
+          <p:nvPr/>
+        </p:nvCxnSpPr>
+        <p:spPr>
+          <a:xfrm flipV="1">
+            <a:off x="3772279" y="4498834"/>
+            <a:ext cx="256961" cy="5264"/>
+          </a:xfrm>
+          <a:prstGeom prst="straightConnector1">
+            <a:avLst/>
+          </a:prstGeom>
+          <a:ln>
+            <a:tailEnd type="triangle"/>
+          </a:ln>
+        </p:spPr>
+        <p:style>
+          <a:lnRef idx="1">
+            <a:schemeClr val="accent1"/>
+          </a:lnRef>
+          <a:fillRef idx="0">
+            <a:schemeClr val="accent1"/>
+          </a:fillRef>
+          <a:effectRef idx="0">
+            <a:schemeClr val="accent1"/>
+          </a:effectRef>
+          <a:fontRef idx="minor">
+            <a:schemeClr val="tx1"/>
+          </a:fontRef>
+        </p:style>
+      </p:cxnSp>
+      <p:cxnSp>
+        <p:nvCxnSpPr>
+          <p:cNvPr id="29" name="Gerade Verbindung mit Pfeil 28"/>
+          <p:cNvCxnSpPr>
+            <a:stCxn id="9" idx="3"/>
+            <a:endCxn id="12" idx="1"/>
+          </p:cNvCxnSpPr>
+          <p:nvPr/>
+        </p:nvCxnSpPr>
+        <p:spPr>
+          <a:xfrm>
+            <a:off x="6793133" y="2642922"/>
+            <a:ext cx="718844" cy="914060"/>
+          </a:xfrm>
+          <a:prstGeom prst="straightConnector1">
+            <a:avLst/>
+          </a:prstGeom>
+          <a:ln>
+            <a:tailEnd type="triangle"/>
+          </a:ln>
+        </p:spPr>
+        <p:style>
+          <a:lnRef idx="1">
+            <a:schemeClr val="accent1"/>
+          </a:lnRef>
+          <a:fillRef idx="0">
+            <a:schemeClr val="accent1"/>
+          </a:fillRef>
+          <a:effectRef idx="0">
+            <a:schemeClr val="accent1"/>
+          </a:effectRef>
+          <a:fontRef idx="minor">
+            <a:schemeClr val="tx1"/>
+          </a:fontRef>
+        </p:style>
+      </p:cxnSp>
+      <p:cxnSp>
+        <p:nvCxnSpPr>
+          <p:cNvPr id="31" name="Gerade Verbindung mit Pfeil 30"/>
+          <p:cNvCxnSpPr>
+            <a:stCxn id="13" idx="3"/>
+            <a:endCxn id="12" idx="1"/>
+          </p:cNvCxnSpPr>
+          <p:nvPr/>
+        </p:nvCxnSpPr>
+        <p:spPr>
+          <a:xfrm flipV="1">
+            <a:off x="6793133" y="3556982"/>
+            <a:ext cx="718844" cy="13896"/>
+          </a:xfrm>
+          <a:prstGeom prst="straightConnector1">
+            <a:avLst/>
+          </a:prstGeom>
+          <a:ln>
+            <a:tailEnd type="triangle"/>
+          </a:ln>
+        </p:spPr>
+        <p:style>
+          <a:lnRef idx="1">
+            <a:schemeClr val="accent1"/>
+          </a:lnRef>
+          <a:fillRef idx="0">
+            <a:schemeClr val="accent1"/>
+          </a:fillRef>
+          <a:effectRef idx="0">
+            <a:schemeClr val="accent1"/>
+          </a:effectRef>
+          <a:fontRef idx="minor">
+            <a:schemeClr val="tx1"/>
+          </a:fontRef>
+        </p:style>
+      </p:cxnSp>
+      <p:cxnSp>
+        <p:nvCxnSpPr>
+          <p:cNvPr id="33" name="Gerade Verbindung mit Pfeil 32"/>
+          <p:cNvCxnSpPr>
+            <a:stCxn id="14" idx="3"/>
+            <a:endCxn id="12" idx="1"/>
+          </p:cNvCxnSpPr>
+          <p:nvPr/>
+        </p:nvCxnSpPr>
+        <p:spPr>
+          <a:xfrm flipV="1">
+            <a:off x="6793133" y="3556982"/>
+            <a:ext cx="718844" cy="941852"/>
+          </a:xfrm>
+          <a:prstGeom prst="straightConnector1">
+            <a:avLst/>
+          </a:prstGeom>
+          <a:ln>
+            <a:tailEnd type="triangle"/>
+          </a:ln>
+        </p:spPr>
+        <p:style>
+          <a:lnRef idx="1">
+            <a:schemeClr val="accent1"/>
+          </a:lnRef>
+          <a:fillRef idx="0">
+            <a:schemeClr val="accent1"/>
+          </a:fillRef>
+          <a:effectRef idx="0">
+            <a:schemeClr val="accent1"/>
+          </a:effectRef>
+          <a:fontRef idx="minor">
+            <a:schemeClr val="tx1"/>
+          </a:fontRef>
+        </p:style>
+      </p:cxnSp>
+      <p:sp>
+        <p:nvSpPr>
+          <p:cNvPr id="34" name="Rechteck 33"/>
+          <p:cNvSpPr/>
+          <p:nvPr/>
+        </p:nvSpPr>
+        <p:spPr>
+          <a:xfrm>
+            <a:off x="2115603" y="2246411"/>
+            <a:ext cx="668057" cy="3587415"/>
+          </a:xfrm>
+          <a:prstGeom prst="rect">
+            <a:avLst/>
+          </a:prstGeom>
+          <a:solidFill>
+            <a:srgbClr val="FFC000">
+              <a:alpha val="34118"/>
+            </a:srgbClr>
+          </a:solidFill>
+        </p:spPr>
+        <p:style>
+          <a:lnRef idx="2">
+            <a:schemeClr val="accent4">
+              <a:shade val="50000"/>
+            </a:schemeClr>
+          </a:lnRef>
+          <a:fillRef idx="1">
+            <a:schemeClr val="accent4"/>
+          </a:fillRef>
+          <a:effectRef idx="0">
+            <a:schemeClr val="accent4"/>
+          </a:effectRef>
+          <a:fontRef idx="minor">
+            <a:schemeClr val="lt1"/>
+          </a:fontRef>
+        </p:style>
+        <p:txBody>
+          <a:bodyPr vert="vert270" rtlCol="0" anchor="ctr"/>
+          <a:lstStyle/>
+          <a:p>
+            <a:pPr algn="ctr"/>
+            <a:r>
+              <a:rPr lang="de-DE" spc="600" dirty="0" smtClean="0">
+                <a:solidFill>
+                  <a:schemeClr val="bg2">
+                    <a:lumMod val="25000"/>
+                  </a:schemeClr>
+                </a:solidFill>
+              </a:rPr>
+              <a:t>SAX-Parser</a:t>
+            </a:r>
+            <a:endParaRPr lang="de-DE" spc="600" dirty="0">
+              <a:solidFill>
+                <a:schemeClr val="bg2">
+                  <a:lumMod val="25000"/>
+                </a:schemeClr>
+              </a:solidFill>
+            </a:endParaRPr>
+          </a:p>
+        </p:txBody>
+      </p:sp>
+      <p:sp>
+        <p:nvSpPr>
+          <p:cNvPr id="35" name="Rechteck 34"/>
+          <p:cNvSpPr/>
+          <p:nvPr/>
+        </p:nvSpPr>
+        <p:spPr>
+          <a:xfrm>
+            <a:off x="4992190" y="2246412"/>
+            <a:ext cx="668057" cy="2648932"/>
+          </a:xfrm>
+          <a:prstGeom prst="rect">
+            <a:avLst/>
+          </a:prstGeom>
+          <a:solidFill>
+            <a:srgbClr val="FFC000">
+              <a:alpha val="34118"/>
+            </a:srgbClr>
+          </a:solidFill>
+        </p:spPr>
+        <p:style>
+          <a:lnRef idx="2">
+            <a:schemeClr val="accent4">
+              <a:shade val="50000"/>
+            </a:schemeClr>
+          </a:lnRef>
+          <a:fillRef idx="1">
+            <a:schemeClr val="accent4"/>
+          </a:fillRef>
+          <a:effectRef idx="0">
+            <a:schemeClr val="accent4"/>
+          </a:effectRef>
+          <a:fontRef idx="minor">
+            <a:schemeClr val="lt1"/>
+          </a:fontRef>
+        </p:style>
+        <p:txBody>
+          <a:bodyPr vert="vert270" rtlCol="0" anchor="ctr"/>
+          <a:lstStyle/>
+          <a:p>
+            <a:pPr algn="ctr"/>
+            <a:r>
+              <a:rPr lang="de-DE" spc="600" dirty="0" smtClean="0">
+                <a:solidFill>
+                  <a:schemeClr val="bg2">
+                    <a:lumMod val="25000"/>
+                  </a:schemeClr>
+                </a:solidFill>
+              </a:rPr>
+              <a:t>PERL-Skript</a:t>
+            </a:r>
+            <a:endParaRPr lang="de-DE" spc="600" dirty="0">
+              <a:solidFill>
+                <a:schemeClr val="bg2">
+                  <a:lumMod val="25000"/>
+                </a:schemeClr>
+              </a:solidFill>
+            </a:endParaRPr>
+          </a:p>
+        </p:txBody>
+      </p:sp>
+      <p:sp>
+        <p:nvSpPr>
+          <p:cNvPr id="36" name="Rechteck 35"/>
+          <p:cNvSpPr/>
+          <p:nvPr/>
+        </p:nvSpPr>
+        <p:spPr>
+          <a:xfrm>
+            <a:off x="2920087" y="5040807"/>
+            <a:ext cx="852192" cy="793020"/>
+          </a:xfrm>
+          <a:prstGeom prst="rect">
+            <a:avLst/>
+          </a:prstGeom>
+        </p:spPr>
+        <p:style>
+          <a:lnRef idx="2">
+            <a:schemeClr val="accent1">
+              <a:shade val="50000"/>
+            </a:schemeClr>
+          </a:lnRef>
+          <a:fillRef idx="1">
+            <a:schemeClr val="accent1"/>
+          </a:fillRef>
+          <a:effectRef idx="0">
+            <a:schemeClr val="accent1"/>
+          </a:effectRef>
+          <a:fontRef idx="minor">
+            <a:schemeClr val="lt1"/>
+          </a:fontRef>
+        </p:style>
+        <p:txBody>
+          <a:bodyPr rtlCol="0" anchor="ctr"/>
+          <a:lstStyle/>
+          <a:p>
+            <a:pPr algn="ctr"/>
+            <a:r>
+              <a:rPr lang="de-DE" dirty="0" smtClean="0"/>
+              <a:t>Artikel</a:t>
+            </a:r>
+            <a:endParaRPr lang="de-DE" dirty="0"/>
+          </a:p>
+        </p:txBody>
+      </p:sp>
+      <p:cxnSp>
+        <p:nvCxnSpPr>
+          <p:cNvPr id="38" name="Gerade Verbindung mit Pfeil 37"/>
+          <p:cNvCxnSpPr>
+            <a:stCxn id="4" idx="3"/>
+            <a:endCxn id="36" idx="1"/>
+          </p:cNvCxnSpPr>
+          <p:nvPr/>
+        </p:nvCxnSpPr>
+        <p:spPr>
+          <a:xfrm>
+            <a:off x="1929779" y="4075403"/>
+            <a:ext cx="990308" cy="1361914"/>
+          </a:xfrm>
+          <a:prstGeom prst="straightConnector1">
+            <a:avLst/>
+          </a:prstGeom>
+          <a:ln>
+            <a:tailEnd type="triangle"/>
+          </a:ln>
+        </p:spPr>
+        <p:style>
+          <a:lnRef idx="1">
+            <a:schemeClr val="accent1"/>
+          </a:lnRef>
+          <a:fillRef idx="0">
+            <a:schemeClr val="accent1"/>
+          </a:fillRef>
+          <a:effectRef idx="0">
+            <a:schemeClr val="accent1"/>
+          </a:effectRef>
+          <a:fontRef idx="minor">
+            <a:schemeClr val="tx1"/>
+          </a:fontRef>
+        </p:style>
+      </p:cxnSp>
+      <p:sp>
+        <p:nvSpPr>
+          <p:cNvPr id="39" name="Rechteck 38"/>
+          <p:cNvSpPr/>
+          <p:nvPr/>
+        </p:nvSpPr>
+        <p:spPr>
+          <a:xfrm>
+            <a:off x="4029240" y="2246412"/>
+            <a:ext cx="668057" cy="3587414"/>
+          </a:xfrm>
+          <a:prstGeom prst="rect">
+            <a:avLst/>
+          </a:prstGeom>
+          <a:solidFill>
+            <a:srgbClr val="FFC000">
+              <a:alpha val="34118"/>
+            </a:srgbClr>
+          </a:solidFill>
+        </p:spPr>
+        <p:style>
+          <a:lnRef idx="2">
+            <a:schemeClr val="accent4">
+              <a:shade val="50000"/>
+            </a:schemeClr>
+          </a:lnRef>
+          <a:fillRef idx="1">
+            <a:schemeClr val="accent4"/>
+          </a:fillRef>
+          <a:effectRef idx="0">
+            <a:schemeClr val="accent4"/>
+          </a:effectRef>
+          <a:fontRef idx="minor">
+            <a:schemeClr val="lt1"/>
+          </a:fontRef>
+        </p:style>
+        <p:txBody>
+          <a:bodyPr vert="vert270" rtlCol="0" anchor="ctr"/>
+          <a:lstStyle/>
+          <a:p>
+            <a:pPr algn="ctr"/>
+            <a:r>
+              <a:rPr lang="de-DE" spc="600" dirty="0" err="1" smtClean="0">
+                <a:solidFill>
+                  <a:schemeClr val="bg2">
+                    <a:lumMod val="25000"/>
+                  </a:schemeClr>
+                </a:solidFill>
+              </a:rPr>
+              <a:t>Klassifikator</a:t>
+            </a:r>
+            <a:endParaRPr lang="de-DE" spc="600" dirty="0">
+              <a:solidFill>
+                <a:schemeClr val="bg2">
+                  <a:lumMod val="25000"/>
+                </a:schemeClr>
+              </a:solidFill>
+            </a:endParaRPr>
+          </a:p>
+        </p:txBody>
+      </p:sp>
+      <p:cxnSp>
+        <p:nvCxnSpPr>
+          <p:cNvPr id="48" name="Gerade Verbindung mit Pfeil 47"/>
+          <p:cNvCxnSpPr>
+            <a:stCxn id="36" idx="3"/>
+          </p:cNvCxnSpPr>
+          <p:nvPr/>
+        </p:nvCxnSpPr>
+        <p:spPr>
+          <a:xfrm>
+            <a:off x="3772279" y="5437317"/>
+            <a:ext cx="256961" cy="0"/>
+          </a:xfrm>
+          <a:prstGeom prst="straightConnector1">
+            <a:avLst/>
+          </a:prstGeom>
+          <a:ln>
+            <a:tailEnd type="triangle"/>
+          </a:ln>
+        </p:spPr>
+        <p:style>
+          <a:lnRef idx="1">
+            <a:schemeClr val="accent1"/>
+          </a:lnRef>
+          <a:fillRef idx="0">
+            <a:schemeClr val="accent1"/>
+          </a:fillRef>
+          <a:effectRef idx="0">
+            <a:schemeClr val="accent1"/>
+          </a:effectRef>
+          <a:fontRef idx="minor">
+            <a:schemeClr val="tx1"/>
+          </a:fontRef>
+        </p:style>
+      </p:cxnSp>
+      <p:cxnSp>
+        <p:nvCxnSpPr>
+          <p:cNvPr id="50" name="Gerade Verbindung mit Pfeil 49"/>
+          <p:cNvCxnSpPr/>
+          <p:nvPr/>
+        </p:nvCxnSpPr>
+        <p:spPr>
+          <a:xfrm>
+            <a:off x="4697297" y="2642922"/>
+            <a:ext cx="294893" cy="0"/>
+          </a:xfrm>
+          <a:prstGeom prst="straightConnector1">
+            <a:avLst/>
+          </a:prstGeom>
+          <a:ln>
+            <a:tailEnd type="triangle"/>
+          </a:ln>
+        </p:spPr>
+        <p:style>
+          <a:lnRef idx="1">
+            <a:schemeClr val="accent1"/>
+          </a:lnRef>
+          <a:fillRef idx="0">
+            <a:schemeClr val="accent1"/>
+          </a:fillRef>
+          <a:effectRef idx="0">
+            <a:schemeClr val="accent1"/>
+          </a:effectRef>
+          <a:fontRef idx="minor">
+            <a:schemeClr val="tx1"/>
+          </a:fontRef>
+        </p:style>
+      </p:cxnSp>
+      <p:cxnSp>
+        <p:nvCxnSpPr>
+          <p:cNvPr id="51" name="Gerade Verbindung mit Pfeil 50"/>
+          <p:cNvCxnSpPr/>
+          <p:nvPr/>
+        </p:nvCxnSpPr>
+        <p:spPr>
+          <a:xfrm>
+            <a:off x="4697297" y="3556982"/>
+            <a:ext cx="294893" cy="0"/>
+          </a:xfrm>
+          <a:prstGeom prst="straightConnector1">
+            <a:avLst/>
+          </a:prstGeom>
+          <a:ln>
+            <a:tailEnd type="triangle"/>
+          </a:ln>
+        </p:spPr>
+        <p:style>
+          <a:lnRef idx="1">
+            <a:schemeClr val="accent1"/>
+          </a:lnRef>
+          <a:fillRef idx="0">
+            <a:schemeClr val="accent1"/>
+          </a:fillRef>
+          <a:effectRef idx="0">
+            <a:schemeClr val="accent1"/>
+          </a:effectRef>
+          <a:fontRef idx="minor">
+            <a:schemeClr val="tx1"/>
+          </a:fontRef>
+        </p:style>
+      </p:cxnSp>
+      <p:cxnSp>
+        <p:nvCxnSpPr>
+          <p:cNvPr id="52" name="Gerade Verbindung mit Pfeil 51"/>
+          <p:cNvCxnSpPr/>
+          <p:nvPr/>
+        </p:nvCxnSpPr>
+        <p:spPr>
+          <a:xfrm>
+            <a:off x="4697297" y="4498834"/>
+            <a:ext cx="294893" cy="0"/>
+          </a:xfrm>
+          <a:prstGeom prst="straightConnector1">
+            <a:avLst/>
+          </a:prstGeom>
+          <a:ln>
+            <a:tailEnd type="triangle"/>
+          </a:ln>
+        </p:spPr>
+        <p:style>
+          <a:lnRef idx="1">
+            <a:schemeClr val="accent1"/>
+          </a:lnRef>
+          <a:fillRef idx="0">
+            <a:schemeClr val="accent1"/>
+          </a:fillRef>
+          <a:effectRef idx="0">
+            <a:schemeClr val="accent1"/>
+          </a:effectRef>
+          <a:fontRef idx="minor">
+            <a:schemeClr val="tx1"/>
+          </a:fontRef>
+        </p:style>
+      </p:cxnSp>
+      <p:cxnSp>
+        <p:nvCxnSpPr>
+          <p:cNvPr id="53" name="Gerade Verbindung mit Pfeil 52"/>
+          <p:cNvCxnSpPr/>
+          <p:nvPr/>
+        </p:nvCxnSpPr>
+        <p:spPr>
+          <a:xfrm>
+            <a:off x="5660247" y="2642922"/>
+            <a:ext cx="147446" cy="0"/>
+          </a:xfrm>
+          <a:prstGeom prst="straightConnector1">
+            <a:avLst/>
+          </a:prstGeom>
+          <a:ln>
+            <a:tailEnd type="triangle"/>
+          </a:ln>
+        </p:spPr>
+        <p:style>
+          <a:lnRef idx="1">
+            <a:schemeClr val="accent1"/>
+          </a:lnRef>
+          <a:fillRef idx="0">
+            <a:schemeClr val="accent1"/>
+          </a:fillRef>
+          <a:effectRef idx="0">
+            <a:schemeClr val="accent1"/>
+          </a:effectRef>
+          <a:fontRef idx="minor">
+            <a:schemeClr val="tx1"/>
+          </a:fontRef>
+        </p:style>
+      </p:cxnSp>
+      <p:cxnSp>
+        <p:nvCxnSpPr>
+          <p:cNvPr id="55" name="Gerade Verbindung mit Pfeil 54"/>
+          <p:cNvCxnSpPr/>
+          <p:nvPr/>
+        </p:nvCxnSpPr>
+        <p:spPr>
+          <a:xfrm>
+            <a:off x="5646447" y="3570878"/>
+            <a:ext cx="147446" cy="0"/>
+          </a:xfrm>
+          <a:prstGeom prst="straightConnector1">
+            <a:avLst/>
+          </a:prstGeom>
+          <a:ln>
+            <a:tailEnd type="triangle"/>
+          </a:ln>
+        </p:spPr>
+        <p:style>
+          <a:lnRef idx="1">
+            <a:schemeClr val="accent1"/>
+          </a:lnRef>
+          <a:fillRef idx="0">
+            <a:schemeClr val="accent1"/>
+          </a:fillRef>
+          <a:effectRef idx="0">
+            <a:schemeClr val="accent1"/>
+          </a:effectRef>
+          <a:fontRef idx="minor">
+            <a:schemeClr val="tx1"/>
+          </a:fontRef>
+        </p:style>
+      </p:cxnSp>
+      <p:cxnSp>
+        <p:nvCxnSpPr>
+          <p:cNvPr id="56" name="Gerade Verbindung mit Pfeil 55"/>
+          <p:cNvCxnSpPr/>
+          <p:nvPr/>
+        </p:nvCxnSpPr>
+        <p:spPr>
+          <a:xfrm>
+            <a:off x="5660247" y="4518586"/>
+            <a:ext cx="147446" cy="0"/>
+          </a:xfrm>
+          <a:prstGeom prst="straightConnector1">
+            <a:avLst/>
+          </a:prstGeom>
+          <a:ln>
+            <a:tailEnd type="triangle"/>
+          </a:ln>
+        </p:spPr>
+        <p:style>
+          <a:lnRef idx="1">
+            <a:schemeClr val="accent1"/>
+          </a:lnRef>
+          <a:fillRef idx="0">
+            <a:schemeClr val="accent1"/>
+          </a:fillRef>
+          <a:effectRef idx="0">
+            <a:schemeClr val="accent1"/>
+          </a:effectRef>
+          <a:fontRef idx="minor">
+            <a:schemeClr val="tx1"/>
+          </a:fontRef>
+        </p:style>
+      </p:cxnSp>
     </p:spTree>
     <p:extLst>
       <p:ext uri="{BB962C8B-B14F-4D97-AF65-F5344CB8AC3E}">
-        <p14:creationId xmlns:p14="http://schemas.microsoft.com/office/powerpoint/2010/main" val="3635475765"/>
+        <p14:creationId xmlns:p14="http://schemas.microsoft.com/office/powerpoint/2010/main" val="3039180754"/>
       </p:ext>
     </p:extLst>
   </p:cSld>
@@ -3434,9 +4824,955 @@
   <p:timing>
     <p:tnLst>
       <p:par>
-        <p:cTn id="1" dur="indefinite" restart="never" nodeType="tmRoot"/>
+        <p:cTn id="1" dur="indefinite" restart="never" nodeType="tmRoot">
+          <p:childTnLst>
+            <p:seq concurrent="1" nextAc="seek">
+              <p:cTn id="2" dur="indefinite" nodeType="mainSeq">
+                <p:childTnLst>
+                  <p:par>
+                    <p:cTn id="3" fill="hold">
+                      <p:stCondLst>
+                        <p:cond delay="indefinite"/>
+                      </p:stCondLst>
+                      <p:childTnLst>
+                        <p:par>
+                          <p:cTn id="4" fill="hold">
+                            <p:stCondLst>
+                              <p:cond delay="0"/>
+                            </p:stCondLst>
+                            <p:childTnLst>
+                              <p:par>
+                                <p:cTn id="5" presetID="1" presetClass="entr" presetSubtype="0" fill="hold" grpId="0" nodeType="clickEffect">
+                                  <p:stCondLst>
+                                    <p:cond delay="0"/>
+                                  </p:stCondLst>
+                                  <p:childTnLst>
+                                    <p:set>
+                                      <p:cBhvr>
+                                        <p:cTn id="6" dur="1" fill="hold">
+                                          <p:stCondLst>
+                                            <p:cond delay="0"/>
+                                          </p:stCondLst>
+                                        </p:cTn>
+                                        <p:tgtEl>
+                                          <p:spTgt spid="4"/>
+                                        </p:tgtEl>
+                                        <p:attrNameLst>
+                                          <p:attrName>style.visibility</p:attrName>
+                                        </p:attrNameLst>
+                                      </p:cBhvr>
+                                      <p:to>
+                                        <p:strVal val="visible"/>
+                                      </p:to>
+                                    </p:set>
+                                  </p:childTnLst>
+                                </p:cTn>
+                              </p:par>
+                            </p:childTnLst>
+                          </p:cTn>
+                        </p:par>
+                      </p:childTnLst>
+                    </p:cTn>
+                  </p:par>
+                  <p:par>
+                    <p:cTn id="7" fill="hold">
+                      <p:stCondLst>
+                        <p:cond delay="indefinite"/>
+                      </p:stCondLst>
+                      <p:childTnLst>
+                        <p:par>
+                          <p:cTn id="8" fill="hold">
+                            <p:stCondLst>
+                              <p:cond delay="0"/>
+                            </p:stCondLst>
+                            <p:childTnLst>
+                              <p:par>
+                                <p:cTn id="9" presetID="1" presetClass="entr" presetSubtype="0" fill="hold" grpId="0" nodeType="clickEffect">
+                                  <p:stCondLst>
+                                    <p:cond delay="0"/>
+                                  </p:stCondLst>
+                                  <p:childTnLst>
+                                    <p:set>
+                                      <p:cBhvr>
+                                        <p:cTn id="10" dur="1" fill="hold">
+                                          <p:stCondLst>
+                                            <p:cond delay="0"/>
+                                          </p:stCondLst>
+                                        </p:cTn>
+                                        <p:tgtEl>
+                                          <p:spTgt spid="5"/>
+                                        </p:tgtEl>
+                                        <p:attrNameLst>
+                                          <p:attrName>style.visibility</p:attrName>
+                                        </p:attrNameLst>
+                                      </p:cBhvr>
+                                      <p:to>
+                                        <p:strVal val="visible"/>
+                                      </p:to>
+                                    </p:set>
+                                  </p:childTnLst>
+                                </p:cTn>
+                              </p:par>
+                              <p:par>
+                                <p:cTn id="11" presetID="1" presetClass="entr" presetSubtype="0" fill="hold" grpId="0" nodeType="withEffect">
+                                  <p:stCondLst>
+                                    <p:cond delay="0"/>
+                                  </p:stCondLst>
+                                  <p:childTnLst>
+                                    <p:set>
+                                      <p:cBhvr>
+                                        <p:cTn id="12" dur="1" fill="hold">
+                                          <p:stCondLst>
+                                            <p:cond delay="0"/>
+                                          </p:stCondLst>
+                                        </p:cTn>
+                                        <p:tgtEl>
+                                          <p:spTgt spid="6"/>
+                                        </p:tgtEl>
+                                        <p:attrNameLst>
+                                          <p:attrName>style.visibility</p:attrName>
+                                        </p:attrNameLst>
+                                      </p:cBhvr>
+                                      <p:to>
+                                        <p:strVal val="visible"/>
+                                      </p:to>
+                                    </p:set>
+                                  </p:childTnLst>
+                                </p:cTn>
+                              </p:par>
+                              <p:par>
+                                <p:cTn id="13" presetID="1" presetClass="entr" presetSubtype="0" fill="hold" grpId="0" nodeType="withEffect">
+                                  <p:stCondLst>
+                                    <p:cond delay="0"/>
+                                  </p:stCondLst>
+                                  <p:childTnLst>
+                                    <p:set>
+                                      <p:cBhvr>
+                                        <p:cTn id="14" dur="1" fill="hold">
+                                          <p:stCondLst>
+                                            <p:cond delay="0"/>
+                                          </p:stCondLst>
+                                        </p:cTn>
+                                        <p:tgtEl>
+                                          <p:spTgt spid="7"/>
+                                        </p:tgtEl>
+                                        <p:attrNameLst>
+                                          <p:attrName>style.visibility</p:attrName>
+                                        </p:attrNameLst>
+                                      </p:cBhvr>
+                                      <p:to>
+                                        <p:strVal val="visible"/>
+                                      </p:to>
+                                    </p:set>
+                                  </p:childTnLst>
+                                </p:cTn>
+                              </p:par>
+                              <p:par>
+                                <p:cTn id="15" presetID="1" presetClass="entr" presetSubtype="0" fill="hold" nodeType="withEffect">
+                                  <p:stCondLst>
+                                    <p:cond delay="0"/>
+                                  </p:stCondLst>
+                                  <p:childTnLst>
+                                    <p:set>
+                                      <p:cBhvr>
+                                        <p:cTn id="16" dur="1" fill="hold">
+                                          <p:stCondLst>
+                                            <p:cond delay="0"/>
+                                          </p:stCondLst>
+                                        </p:cTn>
+                                        <p:tgtEl>
+                                          <p:spTgt spid="16"/>
+                                        </p:tgtEl>
+                                        <p:attrNameLst>
+                                          <p:attrName>style.visibility</p:attrName>
+                                        </p:attrNameLst>
+                                      </p:cBhvr>
+                                      <p:to>
+                                        <p:strVal val="visible"/>
+                                      </p:to>
+                                    </p:set>
+                                  </p:childTnLst>
+                                </p:cTn>
+                              </p:par>
+                              <p:par>
+                                <p:cTn id="17" presetID="1" presetClass="entr" presetSubtype="0" fill="hold" nodeType="withEffect">
+                                  <p:stCondLst>
+                                    <p:cond delay="0"/>
+                                  </p:stCondLst>
+                                  <p:childTnLst>
+                                    <p:set>
+                                      <p:cBhvr>
+                                        <p:cTn id="18" dur="1" fill="hold">
+                                          <p:stCondLst>
+                                            <p:cond delay="0"/>
+                                          </p:stCondLst>
+                                        </p:cTn>
+                                        <p:tgtEl>
+                                          <p:spTgt spid="21"/>
+                                        </p:tgtEl>
+                                        <p:attrNameLst>
+                                          <p:attrName>style.visibility</p:attrName>
+                                        </p:attrNameLst>
+                                      </p:cBhvr>
+                                      <p:to>
+                                        <p:strVal val="visible"/>
+                                      </p:to>
+                                    </p:set>
+                                  </p:childTnLst>
+                                </p:cTn>
+                              </p:par>
+                              <p:par>
+                                <p:cTn id="19" presetID="1" presetClass="entr" presetSubtype="0" fill="hold" nodeType="withEffect">
+                                  <p:stCondLst>
+                                    <p:cond delay="0"/>
+                                  </p:stCondLst>
+                                  <p:childTnLst>
+                                    <p:set>
+                                      <p:cBhvr>
+                                        <p:cTn id="20" dur="1" fill="hold">
+                                          <p:stCondLst>
+                                            <p:cond delay="0"/>
+                                          </p:stCondLst>
+                                        </p:cTn>
+                                        <p:tgtEl>
+                                          <p:spTgt spid="19"/>
+                                        </p:tgtEl>
+                                        <p:attrNameLst>
+                                          <p:attrName>style.visibility</p:attrName>
+                                        </p:attrNameLst>
+                                      </p:cBhvr>
+                                      <p:to>
+                                        <p:strVal val="visible"/>
+                                      </p:to>
+                                    </p:set>
+                                  </p:childTnLst>
+                                </p:cTn>
+                              </p:par>
+                              <p:par>
+                                <p:cTn id="21" presetID="1" presetClass="entr" presetSubtype="0" fill="hold" grpId="0" nodeType="withEffect">
+                                  <p:stCondLst>
+                                    <p:cond delay="0"/>
+                                  </p:stCondLst>
+                                  <p:childTnLst>
+                                    <p:set>
+                                      <p:cBhvr>
+                                        <p:cTn id="22" dur="1" fill="hold">
+                                          <p:stCondLst>
+                                            <p:cond delay="0"/>
+                                          </p:stCondLst>
+                                        </p:cTn>
+                                        <p:tgtEl>
+                                          <p:spTgt spid="36"/>
+                                        </p:tgtEl>
+                                        <p:attrNameLst>
+                                          <p:attrName>style.visibility</p:attrName>
+                                        </p:attrNameLst>
+                                      </p:cBhvr>
+                                      <p:to>
+                                        <p:strVal val="visible"/>
+                                      </p:to>
+                                    </p:set>
+                                  </p:childTnLst>
+                                </p:cTn>
+                              </p:par>
+                              <p:par>
+                                <p:cTn id="23" presetID="1" presetClass="entr" presetSubtype="0" fill="hold" nodeType="withEffect">
+                                  <p:stCondLst>
+                                    <p:cond delay="0"/>
+                                  </p:stCondLst>
+                                  <p:childTnLst>
+                                    <p:set>
+                                      <p:cBhvr>
+                                        <p:cTn id="24" dur="1" fill="hold">
+                                          <p:stCondLst>
+                                            <p:cond delay="0"/>
+                                          </p:stCondLst>
+                                        </p:cTn>
+                                        <p:tgtEl>
+                                          <p:spTgt spid="38"/>
+                                        </p:tgtEl>
+                                        <p:attrNameLst>
+                                          <p:attrName>style.visibility</p:attrName>
+                                        </p:attrNameLst>
+                                      </p:cBhvr>
+                                      <p:to>
+                                        <p:strVal val="visible"/>
+                                      </p:to>
+                                    </p:set>
+                                  </p:childTnLst>
+                                </p:cTn>
+                              </p:par>
+                            </p:childTnLst>
+                          </p:cTn>
+                        </p:par>
+                      </p:childTnLst>
+                    </p:cTn>
+                  </p:par>
+                  <p:par>
+                    <p:cTn id="25" fill="hold">
+                      <p:stCondLst>
+                        <p:cond delay="indefinite"/>
+                      </p:stCondLst>
+                      <p:childTnLst>
+                        <p:par>
+                          <p:cTn id="26" fill="hold">
+                            <p:stCondLst>
+                              <p:cond delay="0"/>
+                            </p:stCondLst>
+                            <p:childTnLst>
+                              <p:par>
+                                <p:cTn id="27" presetID="1" presetClass="entr" presetSubtype="0" fill="hold" grpId="0" nodeType="clickEffect">
+                                  <p:stCondLst>
+                                    <p:cond delay="0"/>
+                                  </p:stCondLst>
+                                  <p:childTnLst>
+                                    <p:set>
+                                      <p:cBhvr>
+                                        <p:cTn id="28" dur="1" fill="hold">
+                                          <p:stCondLst>
+                                            <p:cond delay="0"/>
+                                          </p:stCondLst>
+                                        </p:cTn>
+                                        <p:tgtEl>
+                                          <p:spTgt spid="34"/>
+                                        </p:tgtEl>
+                                        <p:attrNameLst>
+                                          <p:attrName>style.visibility</p:attrName>
+                                        </p:attrNameLst>
+                                      </p:cBhvr>
+                                      <p:to>
+                                        <p:strVal val="visible"/>
+                                      </p:to>
+                                    </p:set>
+                                  </p:childTnLst>
+                                </p:cTn>
+                              </p:par>
+                            </p:childTnLst>
+                          </p:cTn>
+                        </p:par>
+                      </p:childTnLst>
+                    </p:cTn>
+                  </p:par>
+                  <p:par>
+                    <p:cTn id="29" fill="hold">
+                      <p:stCondLst>
+                        <p:cond delay="indefinite"/>
+                      </p:stCondLst>
+                      <p:childTnLst>
+                        <p:par>
+                          <p:cTn id="30" fill="hold">
+                            <p:stCondLst>
+                              <p:cond delay="0"/>
+                            </p:stCondLst>
+                            <p:childTnLst>
+                              <p:par>
+                                <p:cTn id="31" presetID="1" presetClass="entr" presetSubtype="0" fill="hold" grpId="0" nodeType="clickEffect">
+                                  <p:stCondLst>
+                                    <p:cond delay="0"/>
+                                  </p:stCondLst>
+                                  <p:childTnLst>
+                                    <p:set>
+                                      <p:cBhvr>
+                                        <p:cTn id="32" dur="1" fill="hold">
+                                          <p:stCondLst>
+                                            <p:cond delay="0"/>
+                                          </p:stCondLst>
+                                        </p:cTn>
+                                        <p:tgtEl>
+                                          <p:spTgt spid="39"/>
+                                        </p:tgtEl>
+                                        <p:attrNameLst>
+                                          <p:attrName>style.visibility</p:attrName>
+                                        </p:attrNameLst>
+                                      </p:cBhvr>
+                                      <p:to>
+                                        <p:strVal val="visible"/>
+                                      </p:to>
+                                    </p:set>
+                                  </p:childTnLst>
+                                </p:cTn>
+                              </p:par>
+                              <p:par>
+                                <p:cTn id="33" presetID="1" presetClass="entr" presetSubtype="0" fill="hold" nodeType="withEffect">
+                                  <p:stCondLst>
+                                    <p:cond delay="0"/>
+                                  </p:stCondLst>
+                                  <p:childTnLst>
+                                    <p:set>
+                                      <p:cBhvr>
+                                        <p:cTn id="34" dur="1" fill="hold">
+                                          <p:stCondLst>
+                                            <p:cond delay="0"/>
+                                          </p:stCondLst>
+                                        </p:cTn>
+                                        <p:tgtEl>
+                                          <p:spTgt spid="48"/>
+                                        </p:tgtEl>
+                                        <p:attrNameLst>
+                                          <p:attrName>style.visibility</p:attrName>
+                                        </p:attrNameLst>
+                                      </p:cBhvr>
+                                      <p:to>
+                                        <p:strVal val="visible"/>
+                                      </p:to>
+                                    </p:set>
+                                  </p:childTnLst>
+                                </p:cTn>
+                              </p:par>
+                              <p:par>
+                                <p:cTn id="35" presetID="1" presetClass="entr" presetSubtype="0" fill="hold" nodeType="withEffect">
+                                  <p:stCondLst>
+                                    <p:cond delay="0"/>
+                                  </p:stCondLst>
+                                  <p:childTnLst>
+                                    <p:set>
+                                      <p:cBhvr>
+                                        <p:cTn id="36" dur="1" fill="hold">
+                                          <p:stCondLst>
+                                            <p:cond delay="0"/>
+                                          </p:stCondLst>
+                                        </p:cTn>
+                                        <p:tgtEl>
+                                          <p:spTgt spid="23"/>
+                                        </p:tgtEl>
+                                        <p:attrNameLst>
+                                          <p:attrName>style.visibility</p:attrName>
+                                        </p:attrNameLst>
+                                      </p:cBhvr>
+                                      <p:to>
+                                        <p:strVal val="visible"/>
+                                      </p:to>
+                                    </p:set>
+                                  </p:childTnLst>
+                                </p:cTn>
+                              </p:par>
+                              <p:par>
+                                <p:cTn id="37" presetID="1" presetClass="entr" presetSubtype="0" fill="hold" nodeType="withEffect">
+                                  <p:stCondLst>
+                                    <p:cond delay="0"/>
+                                  </p:stCondLst>
+                                  <p:childTnLst>
+                                    <p:set>
+                                      <p:cBhvr>
+                                        <p:cTn id="38" dur="1" fill="hold">
+                                          <p:stCondLst>
+                                            <p:cond delay="0"/>
+                                          </p:stCondLst>
+                                        </p:cTn>
+                                        <p:tgtEl>
+                                          <p:spTgt spid="25"/>
+                                        </p:tgtEl>
+                                        <p:attrNameLst>
+                                          <p:attrName>style.visibility</p:attrName>
+                                        </p:attrNameLst>
+                                      </p:cBhvr>
+                                      <p:to>
+                                        <p:strVal val="visible"/>
+                                      </p:to>
+                                    </p:set>
+                                  </p:childTnLst>
+                                </p:cTn>
+                              </p:par>
+                              <p:par>
+                                <p:cTn id="39" presetID="1" presetClass="entr" presetSubtype="0" fill="hold" nodeType="withEffect">
+                                  <p:stCondLst>
+                                    <p:cond delay="0"/>
+                                  </p:stCondLst>
+                                  <p:childTnLst>
+                                    <p:set>
+                                      <p:cBhvr>
+                                        <p:cTn id="40" dur="1" fill="hold">
+                                          <p:stCondLst>
+                                            <p:cond delay="0"/>
+                                          </p:stCondLst>
+                                        </p:cTn>
+                                        <p:tgtEl>
+                                          <p:spTgt spid="27"/>
+                                        </p:tgtEl>
+                                        <p:attrNameLst>
+                                          <p:attrName>style.visibility</p:attrName>
+                                        </p:attrNameLst>
+                                      </p:cBhvr>
+                                      <p:to>
+                                        <p:strVal val="visible"/>
+                                      </p:to>
+                                    </p:set>
+                                  </p:childTnLst>
+                                </p:cTn>
+                              </p:par>
+                            </p:childTnLst>
+                          </p:cTn>
+                        </p:par>
+                      </p:childTnLst>
+                    </p:cTn>
+                  </p:par>
+                  <p:par>
+                    <p:cTn id="41" fill="hold">
+                      <p:stCondLst>
+                        <p:cond delay="indefinite"/>
+                      </p:stCondLst>
+                      <p:childTnLst>
+                        <p:par>
+                          <p:cTn id="42" fill="hold">
+                            <p:stCondLst>
+                              <p:cond delay="0"/>
+                            </p:stCondLst>
+                            <p:childTnLst>
+                              <p:par>
+                                <p:cTn id="43" presetID="1" presetClass="entr" presetSubtype="0" fill="hold" grpId="0" nodeType="clickEffect">
+                                  <p:stCondLst>
+                                    <p:cond delay="0"/>
+                                  </p:stCondLst>
+                                  <p:childTnLst>
+                                    <p:set>
+                                      <p:cBhvr>
+                                        <p:cTn id="44" dur="1" fill="hold">
+                                          <p:stCondLst>
+                                            <p:cond delay="0"/>
+                                          </p:stCondLst>
+                                        </p:cTn>
+                                        <p:tgtEl>
+                                          <p:spTgt spid="35"/>
+                                        </p:tgtEl>
+                                        <p:attrNameLst>
+                                          <p:attrName>style.visibility</p:attrName>
+                                        </p:attrNameLst>
+                                      </p:cBhvr>
+                                      <p:to>
+                                        <p:strVal val="visible"/>
+                                      </p:to>
+                                    </p:set>
+                                  </p:childTnLst>
+                                </p:cTn>
+                              </p:par>
+                              <p:par>
+                                <p:cTn id="45" presetID="1" presetClass="entr" presetSubtype="0" fill="hold" nodeType="withEffect">
+                                  <p:stCondLst>
+                                    <p:cond delay="0"/>
+                                  </p:stCondLst>
+                                  <p:childTnLst>
+                                    <p:set>
+                                      <p:cBhvr>
+                                        <p:cTn id="46" dur="1" fill="hold">
+                                          <p:stCondLst>
+                                            <p:cond delay="0"/>
+                                          </p:stCondLst>
+                                        </p:cTn>
+                                        <p:tgtEl>
+                                          <p:spTgt spid="50"/>
+                                        </p:tgtEl>
+                                        <p:attrNameLst>
+                                          <p:attrName>style.visibility</p:attrName>
+                                        </p:attrNameLst>
+                                      </p:cBhvr>
+                                      <p:to>
+                                        <p:strVal val="visible"/>
+                                      </p:to>
+                                    </p:set>
+                                  </p:childTnLst>
+                                </p:cTn>
+                              </p:par>
+                              <p:par>
+                                <p:cTn id="47" presetID="1" presetClass="entr" presetSubtype="0" fill="hold" nodeType="withEffect">
+                                  <p:stCondLst>
+                                    <p:cond delay="0"/>
+                                  </p:stCondLst>
+                                  <p:childTnLst>
+                                    <p:set>
+                                      <p:cBhvr>
+                                        <p:cTn id="48" dur="1" fill="hold">
+                                          <p:stCondLst>
+                                            <p:cond delay="0"/>
+                                          </p:stCondLst>
+                                        </p:cTn>
+                                        <p:tgtEl>
+                                          <p:spTgt spid="51"/>
+                                        </p:tgtEl>
+                                        <p:attrNameLst>
+                                          <p:attrName>style.visibility</p:attrName>
+                                        </p:attrNameLst>
+                                      </p:cBhvr>
+                                      <p:to>
+                                        <p:strVal val="visible"/>
+                                      </p:to>
+                                    </p:set>
+                                  </p:childTnLst>
+                                </p:cTn>
+                              </p:par>
+                              <p:par>
+                                <p:cTn id="49" presetID="1" presetClass="entr" presetSubtype="0" fill="hold" nodeType="withEffect">
+                                  <p:stCondLst>
+                                    <p:cond delay="0"/>
+                                  </p:stCondLst>
+                                  <p:childTnLst>
+                                    <p:set>
+                                      <p:cBhvr>
+                                        <p:cTn id="50" dur="1" fill="hold">
+                                          <p:stCondLst>
+                                            <p:cond delay="0"/>
+                                          </p:stCondLst>
+                                        </p:cTn>
+                                        <p:tgtEl>
+                                          <p:spTgt spid="52"/>
+                                        </p:tgtEl>
+                                        <p:attrNameLst>
+                                          <p:attrName>style.visibility</p:attrName>
+                                        </p:attrNameLst>
+                                      </p:cBhvr>
+                                      <p:to>
+                                        <p:strVal val="visible"/>
+                                      </p:to>
+                                    </p:set>
+                                  </p:childTnLst>
+                                </p:cTn>
+                              </p:par>
+                            </p:childTnLst>
+                          </p:cTn>
+                        </p:par>
+                      </p:childTnLst>
+                    </p:cTn>
+                  </p:par>
+                  <p:par>
+                    <p:cTn id="51" fill="hold">
+                      <p:stCondLst>
+                        <p:cond delay="indefinite"/>
+                      </p:stCondLst>
+                      <p:childTnLst>
+                        <p:par>
+                          <p:cTn id="52" fill="hold">
+                            <p:stCondLst>
+                              <p:cond delay="0"/>
+                            </p:stCondLst>
+                            <p:childTnLst>
+                              <p:par>
+                                <p:cTn id="53" presetID="1" presetClass="entr" presetSubtype="0" fill="hold" grpId="0" nodeType="clickEffect">
+                                  <p:stCondLst>
+                                    <p:cond delay="0"/>
+                                  </p:stCondLst>
+                                  <p:childTnLst>
+                                    <p:set>
+                                      <p:cBhvr>
+                                        <p:cTn id="54" dur="1" fill="hold">
+                                          <p:stCondLst>
+                                            <p:cond delay="0"/>
+                                          </p:stCondLst>
+                                        </p:cTn>
+                                        <p:tgtEl>
+                                          <p:spTgt spid="9"/>
+                                        </p:tgtEl>
+                                        <p:attrNameLst>
+                                          <p:attrName>style.visibility</p:attrName>
+                                        </p:attrNameLst>
+                                      </p:cBhvr>
+                                      <p:to>
+                                        <p:strVal val="visible"/>
+                                      </p:to>
+                                    </p:set>
+                                  </p:childTnLst>
+                                </p:cTn>
+                              </p:par>
+                              <p:par>
+                                <p:cTn id="55" presetID="1" presetClass="entr" presetSubtype="0" fill="hold" grpId="0" nodeType="withEffect">
+                                  <p:stCondLst>
+                                    <p:cond delay="0"/>
+                                  </p:stCondLst>
+                                  <p:childTnLst>
+                                    <p:set>
+                                      <p:cBhvr>
+                                        <p:cTn id="56" dur="1" fill="hold">
+                                          <p:stCondLst>
+                                            <p:cond delay="0"/>
+                                          </p:stCondLst>
+                                        </p:cTn>
+                                        <p:tgtEl>
+                                          <p:spTgt spid="14"/>
+                                        </p:tgtEl>
+                                        <p:attrNameLst>
+                                          <p:attrName>style.visibility</p:attrName>
+                                        </p:attrNameLst>
+                                      </p:cBhvr>
+                                      <p:to>
+                                        <p:strVal val="visible"/>
+                                      </p:to>
+                                    </p:set>
+                                  </p:childTnLst>
+                                </p:cTn>
+                              </p:par>
+                              <p:par>
+                                <p:cTn id="57" presetID="1" presetClass="entr" presetSubtype="0" fill="hold" grpId="0" nodeType="withEffect">
+                                  <p:stCondLst>
+                                    <p:cond delay="0"/>
+                                  </p:stCondLst>
+                                  <p:childTnLst>
+                                    <p:set>
+                                      <p:cBhvr>
+                                        <p:cTn id="58" dur="1" fill="hold">
+                                          <p:stCondLst>
+                                            <p:cond delay="0"/>
+                                          </p:stCondLst>
+                                        </p:cTn>
+                                        <p:tgtEl>
+                                          <p:spTgt spid="13"/>
+                                        </p:tgtEl>
+                                        <p:attrNameLst>
+                                          <p:attrName>style.visibility</p:attrName>
+                                        </p:attrNameLst>
+                                      </p:cBhvr>
+                                      <p:to>
+                                        <p:strVal val="visible"/>
+                                      </p:to>
+                                    </p:set>
+                                  </p:childTnLst>
+                                </p:cTn>
+                              </p:par>
+                              <p:par>
+                                <p:cTn id="59" presetID="1" presetClass="entr" presetSubtype="0" fill="hold" nodeType="withEffect">
+                                  <p:stCondLst>
+                                    <p:cond delay="0"/>
+                                  </p:stCondLst>
+                                  <p:childTnLst>
+                                    <p:set>
+                                      <p:cBhvr>
+                                        <p:cTn id="60" dur="1" fill="hold">
+                                          <p:stCondLst>
+                                            <p:cond delay="0"/>
+                                          </p:stCondLst>
+                                        </p:cTn>
+                                        <p:tgtEl>
+                                          <p:spTgt spid="53"/>
+                                        </p:tgtEl>
+                                        <p:attrNameLst>
+                                          <p:attrName>style.visibility</p:attrName>
+                                        </p:attrNameLst>
+                                      </p:cBhvr>
+                                      <p:to>
+                                        <p:strVal val="visible"/>
+                                      </p:to>
+                                    </p:set>
+                                  </p:childTnLst>
+                                </p:cTn>
+                              </p:par>
+                              <p:par>
+                                <p:cTn id="61" presetID="1" presetClass="entr" presetSubtype="0" fill="hold" nodeType="withEffect">
+                                  <p:stCondLst>
+                                    <p:cond delay="0"/>
+                                  </p:stCondLst>
+                                  <p:childTnLst>
+                                    <p:set>
+                                      <p:cBhvr>
+                                        <p:cTn id="62" dur="1" fill="hold">
+                                          <p:stCondLst>
+                                            <p:cond delay="0"/>
+                                          </p:stCondLst>
+                                        </p:cTn>
+                                        <p:tgtEl>
+                                          <p:spTgt spid="55"/>
+                                        </p:tgtEl>
+                                        <p:attrNameLst>
+                                          <p:attrName>style.visibility</p:attrName>
+                                        </p:attrNameLst>
+                                      </p:cBhvr>
+                                      <p:to>
+                                        <p:strVal val="visible"/>
+                                      </p:to>
+                                    </p:set>
+                                  </p:childTnLst>
+                                </p:cTn>
+                              </p:par>
+                              <p:par>
+                                <p:cTn id="63" presetID="1" presetClass="entr" presetSubtype="0" fill="hold" nodeType="withEffect">
+                                  <p:stCondLst>
+                                    <p:cond delay="0"/>
+                                  </p:stCondLst>
+                                  <p:childTnLst>
+                                    <p:set>
+                                      <p:cBhvr>
+                                        <p:cTn id="64" dur="1" fill="hold">
+                                          <p:stCondLst>
+                                            <p:cond delay="0"/>
+                                          </p:stCondLst>
+                                        </p:cTn>
+                                        <p:tgtEl>
+                                          <p:spTgt spid="56"/>
+                                        </p:tgtEl>
+                                        <p:attrNameLst>
+                                          <p:attrName>style.visibility</p:attrName>
+                                        </p:attrNameLst>
+                                      </p:cBhvr>
+                                      <p:to>
+                                        <p:strVal val="visible"/>
+                                      </p:to>
+                                    </p:set>
+                                  </p:childTnLst>
+                                </p:cTn>
+                              </p:par>
+                            </p:childTnLst>
+                          </p:cTn>
+                        </p:par>
+                      </p:childTnLst>
+                    </p:cTn>
+                  </p:par>
+                  <p:par>
+                    <p:cTn id="65" fill="hold">
+                      <p:stCondLst>
+                        <p:cond delay="indefinite"/>
+                      </p:stCondLst>
+                      <p:childTnLst>
+                        <p:par>
+                          <p:cTn id="66" fill="hold">
+                            <p:stCondLst>
+                              <p:cond delay="0"/>
+                            </p:stCondLst>
+                            <p:childTnLst>
+                              <p:par>
+                                <p:cTn id="67" presetID="1" presetClass="entr" presetSubtype="0" fill="hold" grpId="0" nodeType="clickEffect">
+                                  <p:stCondLst>
+                                    <p:cond delay="0"/>
+                                  </p:stCondLst>
+                                  <p:childTnLst>
+                                    <p:set>
+                                      <p:cBhvr>
+                                        <p:cTn id="68" dur="1" fill="hold">
+                                          <p:stCondLst>
+                                            <p:cond delay="0"/>
+                                          </p:stCondLst>
+                                        </p:cTn>
+                                        <p:tgtEl>
+                                          <p:spTgt spid="12"/>
+                                        </p:tgtEl>
+                                        <p:attrNameLst>
+                                          <p:attrName>style.visibility</p:attrName>
+                                        </p:attrNameLst>
+                                      </p:cBhvr>
+                                      <p:to>
+                                        <p:strVal val="visible"/>
+                                      </p:to>
+                                    </p:set>
+                                  </p:childTnLst>
+                                </p:cTn>
+                              </p:par>
+                              <p:par>
+                                <p:cTn id="69" presetID="1" presetClass="entr" presetSubtype="0" fill="hold" nodeType="withEffect">
+                                  <p:stCondLst>
+                                    <p:cond delay="0"/>
+                                  </p:stCondLst>
+                                  <p:childTnLst>
+                                    <p:set>
+                                      <p:cBhvr>
+                                        <p:cTn id="70" dur="1" fill="hold">
+                                          <p:stCondLst>
+                                            <p:cond delay="0"/>
+                                          </p:stCondLst>
+                                        </p:cTn>
+                                        <p:tgtEl>
+                                          <p:spTgt spid="31"/>
+                                        </p:tgtEl>
+                                        <p:attrNameLst>
+                                          <p:attrName>style.visibility</p:attrName>
+                                        </p:attrNameLst>
+                                      </p:cBhvr>
+                                      <p:to>
+                                        <p:strVal val="visible"/>
+                                      </p:to>
+                                    </p:set>
+                                  </p:childTnLst>
+                                </p:cTn>
+                              </p:par>
+                              <p:par>
+                                <p:cTn id="71" presetID="1" presetClass="entr" presetSubtype="0" fill="hold" nodeType="withEffect">
+                                  <p:stCondLst>
+                                    <p:cond delay="0"/>
+                                  </p:stCondLst>
+                                  <p:childTnLst>
+                                    <p:set>
+                                      <p:cBhvr>
+                                        <p:cTn id="72" dur="1" fill="hold">
+                                          <p:stCondLst>
+                                            <p:cond delay="0"/>
+                                          </p:stCondLst>
+                                        </p:cTn>
+                                        <p:tgtEl>
+                                          <p:spTgt spid="33"/>
+                                        </p:tgtEl>
+                                        <p:attrNameLst>
+                                          <p:attrName>style.visibility</p:attrName>
+                                        </p:attrNameLst>
+                                      </p:cBhvr>
+                                      <p:to>
+                                        <p:strVal val="visible"/>
+                                      </p:to>
+                                    </p:set>
+                                  </p:childTnLst>
+                                </p:cTn>
+                              </p:par>
+                              <p:par>
+                                <p:cTn id="73" presetID="1" presetClass="entr" presetSubtype="0" fill="hold" nodeType="withEffect">
+                                  <p:stCondLst>
+                                    <p:cond delay="0"/>
+                                  </p:stCondLst>
+                                  <p:childTnLst>
+                                    <p:set>
+                                      <p:cBhvr>
+                                        <p:cTn id="74" dur="1" fill="hold">
+                                          <p:stCondLst>
+                                            <p:cond delay="0"/>
+                                          </p:stCondLst>
+                                        </p:cTn>
+                                        <p:tgtEl>
+                                          <p:spTgt spid="29"/>
+                                        </p:tgtEl>
+                                        <p:attrNameLst>
+                                          <p:attrName>style.visibility</p:attrName>
+                                        </p:attrNameLst>
+                                      </p:cBhvr>
+                                      <p:to>
+                                        <p:strVal val="visible"/>
+                                      </p:to>
+                                    </p:set>
+                                  </p:childTnLst>
+                                </p:cTn>
+                              </p:par>
+                            </p:childTnLst>
+                          </p:cTn>
+                        </p:par>
+                      </p:childTnLst>
+                    </p:cTn>
+                  </p:par>
+                </p:childTnLst>
+              </p:cTn>
+              <p:prevCondLst>
+                <p:cond evt="onPrev" delay="0">
+                  <p:tgtEl>
+                    <p:sldTgt/>
+                  </p:tgtEl>
+                </p:cond>
+              </p:prevCondLst>
+              <p:nextCondLst>
+                <p:cond evt="onNext" delay="0">
+                  <p:tgtEl>
+                    <p:sldTgt/>
+                  </p:tgtEl>
+                </p:cond>
+              </p:nextCondLst>
+            </p:seq>
+          </p:childTnLst>
+        </p:cTn>
       </p:par>
     </p:tnLst>
+    <p:bldLst>
+      <p:bldP spid="4" grpId="0" animBg="1"/>
+      <p:bldP spid="5" grpId="0" animBg="1"/>
+      <p:bldP spid="6" grpId="0" animBg="1"/>
+      <p:bldP spid="7" grpId="0" animBg="1"/>
+      <p:bldP spid="9" grpId="0" animBg="1"/>
+      <p:bldP spid="12" grpId="0" animBg="1"/>
+      <p:bldP spid="13" grpId="0" animBg="1"/>
+      <p:bldP spid="14" grpId="0" animBg="1"/>
+      <p:bldP spid="34" grpId="0" animBg="1"/>
+      <p:bldP spid="35" grpId="0" animBg="1"/>
+      <p:bldP spid="36" grpId="0" animBg="1"/>
+      <p:bldP spid="39" grpId="0" animBg="1"/>
+    </p:bldLst>
   </p:timing>
 </p:sld>
 </file>
@@ -3475,7 +5811,7 @@
           <a:p>
             <a:r>
               <a:rPr lang="de-DE" dirty="0" smtClean="0"/>
-              <a:t>Experimente</a:t>
+              <a:t>Wikipedia-Korpus</a:t>
             </a:r>
             <a:endParaRPr lang="de-DE" dirty="0"/>
           </a:p>
@@ -3496,14 +5832,68 @@
           <a:bodyPr/>
           <a:lstStyle/>
           <a:p>
-            <a:endParaRPr lang="de-DE"/>
+            <a:r>
+              <a:rPr lang="de-DE" dirty="0" smtClean="0"/>
+              <a:t>Große Menge an Daten (2,9 Mrd. Wörter)</a:t>
+            </a:r>
+          </a:p>
+          <a:p>
+            <a:r>
+              <a:rPr lang="de-DE" dirty="0" smtClean="0"/>
+              <a:t>Gute Qualität der Artikel</a:t>
+            </a:r>
+          </a:p>
+          <a:p>
+            <a:r>
+              <a:rPr lang="de-DE" dirty="0" smtClean="0"/>
+              <a:t>Breite Menge an Themen</a:t>
+            </a:r>
+          </a:p>
+          <a:p>
+            <a:r>
+              <a:rPr lang="de-DE" dirty="0" smtClean="0"/>
+              <a:t>Semantische Ähnlichkeit: Skip-gram &gt;&gt; CBOW</a:t>
+            </a:r>
+          </a:p>
+          <a:p>
+            <a:r>
+              <a:rPr lang="de-DE" dirty="0" err="1" smtClean="0"/>
+              <a:t>Hierarchical</a:t>
+            </a:r>
+            <a:r>
+              <a:rPr lang="de-DE" dirty="0" smtClean="0"/>
+              <a:t> </a:t>
+            </a:r>
+            <a:r>
+              <a:rPr lang="de-DE" dirty="0" err="1" smtClean="0"/>
+              <a:t>softmax</a:t>
+            </a:r>
+            <a:r>
+              <a:rPr lang="de-DE" dirty="0" smtClean="0"/>
+              <a:t>: gut für seltene Wörter</a:t>
+            </a:r>
+          </a:p>
+          <a:p>
+            <a:r>
+              <a:rPr lang="de-DE" dirty="0" smtClean="0"/>
+              <a:t>Negative </a:t>
+            </a:r>
+            <a:r>
+              <a:rPr lang="de-DE" dirty="0" err="1" smtClean="0"/>
+              <a:t>sampling</a:t>
+            </a:r>
+            <a:r>
+              <a:rPr lang="de-DE" dirty="0" smtClean="0"/>
+              <a:t>: niedrigdimensionale Vektoren</a:t>
+            </a:r>
+            <a:endParaRPr lang="de-DE" dirty="0"/>
           </a:p>
         </p:txBody>
       </p:sp>
     </p:spTree>
     <p:extLst>
       <p:ext uri="{BB962C8B-B14F-4D97-AF65-F5344CB8AC3E}">
-        <p14:creationId xmlns:p14="http://schemas.microsoft.com/office/powerpoint/2010/main" val="979217990"/>
+        <p14:creationId xmlns:p14="http://schemas.microsoft.com/office/powerpoint/2010/main" val="3635475765"/>
       </p:ext>
     </p:extLst>
   </p:cSld>
@@ -3554,27 +5944,83 @@
           <a:p>
             <a:r>
               <a:rPr lang="de-DE" dirty="0" smtClean="0"/>
-              <a:t>Fazit und Ausblick</a:t>
+              <a:t>Wikipedia-Korpus</a:t>
             </a:r>
             <a:endParaRPr lang="de-DE" dirty="0"/>
           </a:p>
         </p:txBody>
       </p:sp>
-      <p:sp>
-        <p:nvSpPr>
-          <p:cNvPr id="3" name="Inhaltsplatzhalter 2"/>
-          <p:cNvSpPr>
-            <a:spLocks noGrp="1"/>
-          </p:cNvSpPr>
+      <p:pic>
+        <p:nvPicPr>
+          <p:cNvPr id="4" name="Inhaltsplatzhalter 3"/>
+          <p:cNvPicPr>
+            <a:picLocks noGrp="1" noChangeAspect="1"/>
+          </p:cNvPicPr>
           <p:nvPr>
             <p:ph idx="1"/>
           </p:nvPr>
-        </p:nvSpPr>
-        <p:spPr/>
-        <p:txBody>
-          <a:bodyPr/>
-          <a:lstStyle/>
-          <a:p>
+        </p:nvPicPr>
+        <p:blipFill>
+          <a:blip r:embed="rId2">
+            <a:extLst>
+              <a:ext uri="{28A0092B-C50C-407E-A947-70E740481C1C}">
+                <a14:useLocalDpi xmlns:a14="http://schemas.microsoft.com/office/drawing/2010/main" val="0"/>
+              </a:ext>
+            </a:extLst>
+          </a:blip>
+          <a:stretch>
+            <a:fillRect/>
+          </a:stretch>
+        </p:blipFill>
+        <p:spPr>
+          <a:xfrm>
+            <a:off x="628650" y="2018146"/>
+            <a:ext cx="7886700" cy="3966295"/>
+          </a:xfrm>
+        </p:spPr>
+      </p:pic>
+      <p:sp>
+        <p:nvSpPr>
+          <p:cNvPr id="5" name="Rechteck 4"/>
+          <p:cNvSpPr/>
+          <p:nvPr/>
+        </p:nvSpPr>
+        <p:spPr>
+          <a:xfrm>
+            <a:off x="791936" y="2677887"/>
+            <a:ext cx="7429500" cy="367393"/>
+          </a:xfrm>
+          <a:prstGeom prst="rect">
+            <a:avLst/>
+          </a:prstGeom>
+          <a:noFill/>
+          <a:ln>
+            <a:solidFill>
+              <a:srgbClr val="FF0000"/>
+            </a:solidFill>
+          </a:ln>
+        </p:spPr>
+        <p:style>
+          <a:lnRef idx="2">
+            <a:schemeClr val="accent2">
+              <a:shade val="50000"/>
+            </a:schemeClr>
+          </a:lnRef>
+          <a:fillRef idx="1">
+            <a:schemeClr val="accent2"/>
+          </a:fillRef>
+          <a:effectRef idx="0">
+            <a:schemeClr val="accent2"/>
+          </a:effectRef>
+          <a:fontRef idx="minor">
+            <a:schemeClr val="lt1"/>
+          </a:fontRef>
+        </p:style>
+        <p:txBody>
+          <a:bodyPr rtlCol="0" anchor="ctr"/>
+          <a:lstStyle/>
+          <a:p>
+            <a:pPr algn="ctr"/>
             <a:endParaRPr lang="de-DE"/>
           </a:p>
         </p:txBody>
@@ -3582,7 +6028,7 @@
     </p:spTree>
     <p:extLst>
       <p:ext uri="{BB962C8B-B14F-4D97-AF65-F5344CB8AC3E}">
-        <p14:creationId xmlns:p14="http://schemas.microsoft.com/office/powerpoint/2010/main" val="479651700"/>
+        <p14:creationId xmlns:p14="http://schemas.microsoft.com/office/powerpoint/2010/main" val="3365253074"/>
       </p:ext>
     </p:extLst>
   </p:cSld>
@@ -3633,7 +6079,7 @@
           <a:p>
             <a:r>
               <a:rPr lang="de-DE" dirty="0" smtClean="0"/>
-              <a:t>Vielen Dank für die Aufmerksamkeit</a:t>
+              <a:t>Experimente</a:t>
             </a:r>
             <a:endParaRPr lang="de-DE" dirty="0"/>
           </a:p>
@@ -3654,14 +6100,14 @@
           <a:bodyPr/>
           <a:lstStyle/>
           <a:p>
-            <a:endParaRPr lang="de-DE" dirty="0"/>
+            <a:endParaRPr lang="de-DE"/>
           </a:p>
         </p:txBody>
       </p:sp>
     </p:spTree>
     <p:extLst>
       <p:ext uri="{BB962C8B-B14F-4D97-AF65-F5344CB8AC3E}">
-        <p14:creationId xmlns:p14="http://schemas.microsoft.com/office/powerpoint/2010/main" val="1296434987"/>
+        <p14:creationId xmlns:p14="http://schemas.microsoft.com/office/powerpoint/2010/main" val="979217990"/>
       </p:ext>
     </p:extLst>
   </p:cSld>

--- a/Präsentation/Semantische Beziehungen.pptx
+++ b/Präsentation/Semantische Beziehungen.pptx
@@ -13209,8 +13209,8 @@
         </p:nvSpPr>
         <p:spPr>
           <a:xfrm>
-            <a:off x="4992190" y="2246412"/>
-            <a:ext cx="668057" cy="2648932"/>
+            <a:off x="4026190" y="2246411"/>
+            <a:ext cx="668057" cy="3566411"/>
           </a:xfrm>
           <a:prstGeom prst="rect">
             <a:avLst/>
@@ -13350,7 +13350,7 @@
         </p:nvSpPr>
         <p:spPr>
           <a:xfrm>
-            <a:off x="4029240" y="2246412"/>
+            <a:off x="4984681" y="2246411"/>
             <a:ext cx="668057" cy="3587414"/>
           </a:xfrm>
           <a:prstGeom prst="rect">
@@ -13446,7 +13446,7 @@
         </p:nvCxnSpPr>
         <p:spPr>
           <a:xfrm>
-            <a:off x="4697297" y="2642922"/>
+            <a:off x="4689788" y="2662674"/>
             <a:ext cx="294893" cy="0"/>
           </a:xfrm>
           <a:prstGeom prst="straightConnector1">
@@ -13479,7 +13479,7 @@
         </p:nvCxnSpPr>
         <p:spPr>
           <a:xfrm>
-            <a:off x="4697297" y="3556982"/>
+            <a:off x="4689788" y="3576734"/>
             <a:ext cx="294893" cy="0"/>
           </a:xfrm>
           <a:prstGeom prst="straightConnector1">
@@ -13512,7 +13512,7 @@
         </p:nvCxnSpPr>
         <p:spPr>
           <a:xfrm>
-            <a:off x="4697297" y="4498834"/>
+            <a:off x="4689788" y="4518586"/>
             <a:ext cx="294893" cy="0"/>
           </a:xfrm>
           <a:prstGeom prst="straightConnector1">
@@ -13705,6 +13705,124 @@
           </a:p>
         </p:txBody>
       </p:sp>
+      <p:cxnSp>
+        <p:nvCxnSpPr>
+          <p:cNvPr id="37" name="Gerade Verbindung mit Pfeil 36"/>
+          <p:cNvCxnSpPr/>
+          <p:nvPr/>
+        </p:nvCxnSpPr>
+        <p:spPr>
+          <a:xfrm>
+            <a:off x="4689787" y="5418857"/>
+            <a:ext cx="294893" cy="0"/>
+          </a:xfrm>
+          <a:prstGeom prst="straightConnector1">
+            <a:avLst/>
+          </a:prstGeom>
+          <a:ln>
+            <a:tailEnd type="triangle"/>
+          </a:ln>
+        </p:spPr>
+        <p:style>
+          <a:lnRef idx="1">
+            <a:schemeClr val="accent1"/>
+          </a:lnRef>
+          <a:fillRef idx="0">
+            <a:schemeClr val="accent1"/>
+          </a:fillRef>
+          <a:effectRef idx="0">
+            <a:schemeClr val="accent1"/>
+          </a:effectRef>
+          <a:fontRef idx="minor">
+            <a:schemeClr val="tx1"/>
+          </a:fontRef>
+        </p:style>
+      </p:cxnSp>
+      <p:sp>
+        <p:nvSpPr>
+          <p:cNvPr id="40" name="Rechteck 39"/>
+          <p:cNvSpPr/>
+          <p:nvPr/>
+        </p:nvSpPr>
+        <p:spPr>
+          <a:xfrm>
+            <a:off x="5776329" y="5026751"/>
+            <a:ext cx="1015424" cy="793020"/>
+          </a:xfrm>
+          <a:prstGeom prst="rect">
+            <a:avLst/>
+          </a:prstGeom>
+        </p:spPr>
+        <p:style>
+          <a:lnRef idx="2">
+            <a:schemeClr val="accent1">
+              <a:shade val="50000"/>
+            </a:schemeClr>
+          </a:lnRef>
+          <a:fillRef idx="1">
+            <a:schemeClr val="accent1"/>
+          </a:fillRef>
+          <a:effectRef idx="0">
+            <a:schemeClr val="accent1"/>
+          </a:effectRef>
+          <a:fontRef idx="minor">
+            <a:schemeClr val="lt1"/>
+          </a:fontRef>
+        </p:style>
+        <p:txBody>
+          <a:bodyPr rtlCol="0" anchor="ctr"/>
+          <a:lstStyle/>
+          <a:p>
+            <a:pPr algn="ctr"/>
+            <a:r>
+              <a:rPr lang="de-DE" spc="-150"/>
+              <a:t>bereinigter</a:t>
+            </a:r>
+            <a:r>
+              <a:rPr lang="de-DE"/>
+              <a:t> </a:t>
+            </a:r>
+            <a:r>
+              <a:rPr lang="de-DE" spc="-150" smtClean="0"/>
+              <a:t>Sport-Artikel</a:t>
+            </a:r>
+            <a:endParaRPr lang="de-DE" spc="-150" dirty="0"/>
+          </a:p>
+        </p:txBody>
+      </p:sp>
+      <p:cxnSp>
+        <p:nvCxnSpPr>
+          <p:cNvPr id="41" name="Gerade Verbindung mit Pfeil 40"/>
+          <p:cNvCxnSpPr/>
+          <p:nvPr/>
+        </p:nvCxnSpPr>
+        <p:spPr>
+          <a:xfrm>
+            <a:off x="5643745" y="5437317"/>
+            <a:ext cx="147446" cy="0"/>
+          </a:xfrm>
+          <a:prstGeom prst="straightConnector1">
+            <a:avLst/>
+          </a:prstGeom>
+          <a:ln>
+            <a:tailEnd type="triangle"/>
+          </a:ln>
+        </p:spPr>
+        <p:style>
+          <a:lnRef idx="1">
+            <a:schemeClr val="accent1"/>
+          </a:lnRef>
+          <a:fillRef idx="0">
+            <a:schemeClr val="accent1"/>
+          </a:fillRef>
+          <a:effectRef idx="0">
+            <a:schemeClr val="accent1"/>
+          </a:effectRef>
+          <a:fontRef idx="minor">
+            <a:schemeClr val="tx1"/>
+          </a:fontRef>
+        </p:style>
+      </p:cxnSp>
     </p:spTree>
     <p:extLst>
       <p:ext uri="{BB962C8B-B14F-4D97-AF65-F5344CB8AC3E}">
@@ -14073,7 +14191,7 @@
                                           </p:stCondLst>
                                         </p:cTn>
                                         <p:tgtEl>
-                                          <p:spTgt spid="39"/>
+                                          <p:spTgt spid="35"/>
                                         </p:tgtEl>
                                         <p:attrNameLst>
                                           <p:attrName>style.visibility</p:attrName>
@@ -14226,7 +14344,7 @@
                                           </p:stCondLst>
                                         </p:cTn>
                                         <p:tgtEl>
-                                          <p:spTgt spid="35"/>
+                                          <p:spTgt spid="39"/>
                                         </p:tgtEl>
                                         <p:attrNameLst>
                                           <p:attrName>style.visibility</p:attrName>
@@ -14320,39 +14438,21 @@
                                   </p:childTnLst>
                                 </p:cTn>
                               </p:par>
-                            </p:childTnLst>
-                          </p:cTn>
-                        </p:par>
-                      </p:childTnLst>
-                    </p:cTn>
-                  </p:par>
-                  <p:par>
-                    <p:cTn id="51" fill="hold">
-                      <p:stCondLst>
-                        <p:cond delay="indefinite"/>
-                      </p:stCondLst>
-                      <p:childTnLst>
-                        <p:par>
-                          <p:cTn id="52" fill="hold">
-                            <p:stCondLst>
-                              <p:cond delay="0"/>
-                            </p:stCondLst>
-                            <p:childTnLst>
                               <p:par>
-                                <p:cTn id="53" presetID="1" presetClass="entr" presetSubtype="0" fill="hold" grpId="0" nodeType="clickEffect">
+                                <p:cTn id="51" presetID="1" presetClass="entr" presetSubtype="0" fill="hold" nodeType="withEffect">
                                   <p:stCondLst>
                                     <p:cond delay="0"/>
                                   </p:stCondLst>
                                   <p:childTnLst>
                                     <p:set>
                                       <p:cBhvr>
-                                        <p:cTn id="54" dur="1" fill="hold">
+                                        <p:cTn id="52" dur="1" fill="hold">
                                           <p:stCondLst>
                                             <p:cond delay="0"/>
                                           </p:stCondLst>
                                         </p:cTn>
                                         <p:tgtEl>
-                                          <p:spTgt spid="9"/>
+                                          <p:spTgt spid="37"/>
                                         </p:tgtEl>
                                         <p:attrNameLst>
                                           <p:attrName>style.visibility</p:attrName>
@@ -14365,8 +14465,26 @@
                                   </p:childTnLst>
                                 </p:cTn>
                               </p:par>
+                            </p:childTnLst>
+                          </p:cTn>
+                        </p:par>
+                      </p:childTnLst>
+                    </p:cTn>
+                  </p:par>
+                  <p:par>
+                    <p:cTn id="53" fill="hold">
+                      <p:stCondLst>
+                        <p:cond delay="indefinite"/>
+                      </p:stCondLst>
+                      <p:childTnLst>
+                        <p:par>
+                          <p:cTn id="54" fill="hold">
+                            <p:stCondLst>
+                              <p:cond delay="0"/>
+                            </p:stCondLst>
+                            <p:childTnLst>
                               <p:par>
-                                <p:cTn id="55" presetID="1" presetClass="entr" presetSubtype="0" fill="hold" grpId="0" nodeType="withEffect">
+                                <p:cTn id="55" presetID="1" presetClass="entr" presetSubtype="0" fill="hold" grpId="0" nodeType="clickEffect">
                                   <p:stCondLst>
                                     <p:cond delay="0"/>
                                   </p:stCondLst>
@@ -14379,7 +14497,7 @@
                                           </p:stCondLst>
                                         </p:cTn>
                                         <p:tgtEl>
-                                          <p:spTgt spid="14"/>
+                                          <p:spTgt spid="9"/>
                                         </p:tgtEl>
                                         <p:attrNameLst>
                                           <p:attrName>style.visibility</p:attrName>
@@ -14406,7 +14524,7 @@
                                           </p:stCondLst>
                                         </p:cTn>
                                         <p:tgtEl>
-                                          <p:spTgt spid="13"/>
+                                          <p:spTgt spid="14"/>
                                         </p:tgtEl>
                                         <p:attrNameLst>
                                           <p:attrName>style.visibility</p:attrName>
@@ -14420,7 +14538,7 @@
                                 </p:cTn>
                               </p:par>
                               <p:par>
-                                <p:cTn id="59" presetID="1" presetClass="entr" presetSubtype="0" fill="hold" nodeType="withEffect">
+                                <p:cTn id="59" presetID="1" presetClass="entr" presetSubtype="0" fill="hold" grpId="0" nodeType="withEffect">
                                   <p:stCondLst>
                                     <p:cond delay="0"/>
                                   </p:stCondLst>
@@ -14433,7 +14551,7 @@
                                           </p:stCondLst>
                                         </p:cTn>
                                         <p:tgtEl>
-                                          <p:spTgt spid="53"/>
+                                          <p:spTgt spid="13"/>
                                         </p:tgtEl>
                                         <p:attrNameLst>
                                           <p:attrName>style.visibility</p:attrName>
@@ -14460,7 +14578,7 @@
                                           </p:stCondLst>
                                         </p:cTn>
                                         <p:tgtEl>
-                                          <p:spTgt spid="55"/>
+                                          <p:spTgt spid="53"/>
                                         </p:tgtEl>
                                         <p:attrNameLst>
                                           <p:attrName>style.visibility</p:attrName>
@@ -14487,7 +14605,88 @@
                                           </p:stCondLst>
                                         </p:cTn>
                                         <p:tgtEl>
+                                          <p:spTgt spid="55"/>
+                                        </p:tgtEl>
+                                        <p:attrNameLst>
+                                          <p:attrName>style.visibility</p:attrName>
+                                        </p:attrNameLst>
+                                      </p:cBhvr>
+                                      <p:to>
+                                        <p:strVal val="visible"/>
+                                      </p:to>
+                                    </p:set>
+                                  </p:childTnLst>
+                                </p:cTn>
+                              </p:par>
+                              <p:par>
+                                <p:cTn id="65" presetID="1" presetClass="entr" presetSubtype="0" fill="hold" nodeType="withEffect">
+                                  <p:stCondLst>
+                                    <p:cond delay="0"/>
+                                  </p:stCondLst>
+                                  <p:childTnLst>
+                                    <p:set>
+                                      <p:cBhvr>
+                                        <p:cTn id="66" dur="1" fill="hold">
+                                          <p:stCondLst>
+                                            <p:cond delay="0"/>
+                                          </p:stCondLst>
+                                        </p:cTn>
+                                        <p:tgtEl>
                                           <p:spTgt spid="56"/>
+                                        </p:tgtEl>
+                                        <p:attrNameLst>
+                                          <p:attrName>style.visibility</p:attrName>
+                                        </p:attrNameLst>
+                                      </p:cBhvr>
+                                      <p:to>
+                                        <p:strVal val="visible"/>
+                                      </p:to>
+                                    </p:set>
+                                  </p:childTnLst>
+                                </p:cTn>
+                              </p:par>
+                              <p:par>
+                                <p:cTn id="67" presetID="1" presetClass="entr" presetSubtype="0" fill="hold" nodeType="withEffect">
+                                  <p:stCondLst>
+                                    <p:cond delay="0"/>
+                                  </p:stCondLst>
+                                  <p:childTnLst>
+                                    <p:set>
+                                      <p:cBhvr>
+                                        <p:cTn id="68" dur="1" fill="hold">
+                                          <p:stCondLst>
+                                            <p:cond delay="0"/>
+                                          </p:stCondLst>
+                                        </p:cTn>
+                                        <p:tgtEl>
+                                          <p:spTgt spid="41"/>
+                                        </p:tgtEl>
+                                        <p:attrNameLst>
+                                          <p:attrName>style.visibility</p:attrName>
+                                        </p:attrNameLst>
+                                      </p:cBhvr>
+                                      <p:to>
+                                        <p:strVal val="visible"/>
+                                      </p:to>
+                                    </p:set>
+                                  </p:childTnLst>
+                                </p:cTn>
+                              </p:par>
+                              <p:par>
+                                <p:cTn id="69" presetID="1" presetClass="entr" presetSubtype="0" fill="hold" grpId="0" nodeType="withEffect">
+                                  <p:stCondLst>
+                                    <p:cond delay="0"/>
+                                  </p:stCondLst>
+                                  <p:childTnLst>
+                                    <p:set>
+                                      <p:cBhvr>
+                                        <p:cTn id="70" dur="1" fill="hold">
+                                          <p:stCondLst>
+                                            <p:cond delay="0"/>
+                                          </p:stCondLst>
+                                        </p:cTn>
+                                        <p:tgtEl>
+                                          <p:spTgt spid="40"/>
                                         </p:tgtEl>
                                         <p:attrNameLst>
                                           <p:attrName>style.visibility</p:attrName>
@@ -14507,26 +14706,26 @@
                     </p:cTn>
                   </p:par>
                   <p:par>
-                    <p:cTn id="65" fill="hold">
+                    <p:cTn id="71" fill="hold">
                       <p:stCondLst>
                         <p:cond delay="indefinite"/>
                       </p:stCondLst>
                       <p:childTnLst>
                         <p:par>
-                          <p:cTn id="66" fill="hold">
+                          <p:cTn id="72" fill="hold">
                             <p:stCondLst>
                               <p:cond delay="0"/>
                             </p:stCondLst>
                             <p:childTnLst>
                               <p:par>
-                                <p:cTn id="67" presetID="1" presetClass="entr" presetSubtype="0" fill="hold" grpId="0" nodeType="clickEffect">
+                                <p:cTn id="73" presetID="1" presetClass="entr" presetSubtype="0" fill="hold" grpId="0" nodeType="clickEffect">
                                   <p:stCondLst>
                                     <p:cond delay="0"/>
                                   </p:stCondLst>
                                   <p:childTnLst>
                                     <p:set>
                                       <p:cBhvr>
-                                        <p:cTn id="68" dur="1" fill="hold">
+                                        <p:cTn id="74" dur="1" fill="hold">
                                           <p:stCondLst>
                                             <p:cond delay="0"/>
                                           </p:stCondLst>
@@ -14546,14 +14745,14 @@
                                 </p:cTn>
                               </p:par>
                               <p:par>
-                                <p:cTn id="69" presetID="1" presetClass="entr" presetSubtype="0" fill="hold" nodeType="withEffect">
+                                <p:cTn id="75" presetID="1" presetClass="entr" presetSubtype="0" fill="hold" nodeType="withEffect">
                                   <p:stCondLst>
                                     <p:cond delay="0"/>
                                   </p:stCondLst>
                                   <p:childTnLst>
                                     <p:set>
                                       <p:cBhvr>
-                                        <p:cTn id="70" dur="1" fill="hold">
+                                        <p:cTn id="76" dur="1" fill="hold">
                                           <p:stCondLst>
                                             <p:cond delay="0"/>
                                           </p:stCondLst>
@@ -14573,14 +14772,14 @@
                                 </p:cTn>
                               </p:par>
                               <p:par>
-                                <p:cTn id="71" presetID="1" presetClass="entr" presetSubtype="0" fill="hold" nodeType="withEffect">
+                                <p:cTn id="77" presetID="1" presetClass="entr" presetSubtype="0" fill="hold" nodeType="withEffect">
                                   <p:stCondLst>
                                     <p:cond delay="0"/>
                                   </p:stCondLst>
                                   <p:childTnLst>
                                     <p:set>
                                       <p:cBhvr>
-                                        <p:cTn id="72" dur="1" fill="hold">
+                                        <p:cTn id="78" dur="1" fill="hold">
                                           <p:stCondLst>
                                             <p:cond delay="0"/>
                                           </p:stCondLst>
@@ -14600,14 +14799,14 @@
                                 </p:cTn>
                               </p:par>
                               <p:par>
-                                <p:cTn id="73" presetID="1" presetClass="entr" presetSubtype="0" fill="hold" nodeType="withEffect">
+                                <p:cTn id="79" presetID="1" presetClass="entr" presetSubtype="0" fill="hold" nodeType="withEffect">
                                   <p:stCondLst>
                                     <p:cond delay="0"/>
                                   </p:stCondLst>
                                   <p:childTnLst>
                                     <p:set>
                                       <p:cBhvr>
-                                        <p:cTn id="74" dur="1" fill="hold">
+                                        <p:cTn id="80" dur="1" fill="hold">
                                           <p:stCondLst>
                                             <p:cond delay="0"/>
                                           </p:stCondLst>
@@ -14666,6 +14865,7 @@
       <p:bldP spid="35" grpId="0" animBg="1"/>
       <p:bldP spid="36" grpId="0" animBg="1"/>
       <p:bldP spid="39" grpId="0" animBg="1"/>
+      <p:bldP spid="40" grpId="0" animBg="1"/>
     </p:bldLst>
   </p:timing>
 </p:sld>
